--- a/cts_python_practitioner_day2_v1_2019.pptx
+++ b/cts_python_practitioner_day2_v1_2019.pptx
@@ -5,7 +5,7 @@
     <p:sldMasterId id="2147483660" r:id="rId1"/>
   </p:sldMasterIdLst>
   <p:notesMasterIdLst>
-    <p:notesMasterId r:id="rId43"/>
+    <p:notesMasterId r:id="rId45"/>
   </p:notesMasterIdLst>
   <p:sldIdLst>
     <p:sldId id="272" r:id="rId2"/>
@@ -25,35 +25,37 @@
     <p:sldId id="337" r:id="rId16"/>
     <p:sldId id="338" r:id="rId17"/>
     <p:sldId id="339" r:id="rId18"/>
-    <p:sldId id="278" r:id="rId19"/>
-    <p:sldId id="340" r:id="rId20"/>
-    <p:sldId id="341" r:id="rId21"/>
-    <p:sldId id="323" r:id="rId22"/>
-    <p:sldId id="342" r:id="rId23"/>
-    <p:sldId id="352" r:id="rId24"/>
-    <p:sldId id="343" r:id="rId25"/>
-    <p:sldId id="344" r:id="rId26"/>
-    <p:sldId id="348" r:id="rId27"/>
-    <p:sldId id="347" r:id="rId28"/>
-    <p:sldId id="328" r:id="rId29"/>
-    <p:sldId id="345" r:id="rId30"/>
-    <p:sldId id="346" r:id="rId31"/>
-    <p:sldId id="349" r:id="rId32"/>
-    <p:sldId id="350" r:id="rId33"/>
-    <p:sldId id="351" r:id="rId34"/>
-    <p:sldId id="353" r:id="rId35"/>
-    <p:sldId id="264" r:id="rId36"/>
-    <p:sldId id="271" r:id="rId37"/>
-    <p:sldId id="331" r:id="rId38"/>
-    <p:sldId id="266" r:id="rId39"/>
-    <p:sldId id="354" r:id="rId40"/>
-    <p:sldId id="267" r:id="rId41"/>
-    <p:sldId id="268" r:id="rId42"/>
+    <p:sldId id="355" r:id="rId19"/>
+    <p:sldId id="356" r:id="rId20"/>
+    <p:sldId id="278" r:id="rId21"/>
+    <p:sldId id="340" r:id="rId22"/>
+    <p:sldId id="341" r:id="rId23"/>
+    <p:sldId id="323" r:id="rId24"/>
+    <p:sldId id="342" r:id="rId25"/>
+    <p:sldId id="352" r:id="rId26"/>
+    <p:sldId id="343" r:id="rId27"/>
+    <p:sldId id="344" r:id="rId28"/>
+    <p:sldId id="348" r:id="rId29"/>
+    <p:sldId id="347" r:id="rId30"/>
+    <p:sldId id="328" r:id="rId31"/>
+    <p:sldId id="345" r:id="rId32"/>
+    <p:sldId id="346" r:id="rId33"/>
+    <p:sldId id="349" r:id="rId34"/>
+    <p:sldId id="350" r:id="rId35"/>
+    <p:sldId id="351" r:id="rId36"/>
+    <p:sldId id="353" r:id="rId37"/>
+    <p:sldId id="264" r:id="rId38"/>
+    <p:sldId id="271" r:id="rId39"/>
+    <p:sldId id="331" r:id="rId40"/>
+    <p:sldId id="266" r:id="rId41"/>
+    <p:sldId id="354" r:id="rId42"/>
+    <p:sldId id="267" r:id="rId43"/>
+    <p:sldId id="268" r:id="rId44"/>
   </p:sldIdLst>
   <p:sldSz cx="9144000" cy="5143500" type="screen16x9"/>
   <p:notesSz cx="6858000" cy="9144000"/>
   <p:custDataLst>
-    <p:tags r:id="rId44"/>
+    <p:tags r:id="rId46"/>
   </p:custDataLst>
   <p:defaultTextStyle>
     <a:defPPr>
@@ -23552,7 +23554,7 @@
           <a:p>
             <a:fld id="{F9ACA898-F605-4900-878E-E9768DF1D293}" type="datetimeFigureOut">
               <a:rPr lang="en-US" smtClean="0"/>
-              <a:t>1/20/20</a:t>
+              <a:t>1/22/20</a:t>
             </a:fld>
             <a:endParaRPr lang="en-US"/>
           </a:p>
@@ -28971,7 +28973,7 @@
           <a:graphicData uri="http://schemas.openxmlformats.org/presentationml/2006/ole">
             <mc:AlternateContent xmlns:mc="http://schemas.openxmlformats.org/markup-compatibility/2006">
               <mc:Choice xmlns:v="urn:schemas-microsoft-com:vml" Requires="v">
-                <p:oleObj spid="_x0000_s1048" name="Packager Shell Object" showAsIcon="1" r:id="rId6" imgW="740880" imgH="437760" progId="Package">
+                <p:oleObj spid="_x0000_s1052" name="Packager Shell Object" showAsIcon="1" r:id="rId6" imgW="740880" imgH="437760" progId="Package">
                   <p:embed/>
                 </p:oleObj>
               </mc:Choice>
@@ -29028,7 +29030,7 @@
           <a:graphicData uri="http://schemas.openxmlformats.org/presentationml/2006/ole">
             <mc:AlternateContent xmlns:mc="http://schemas.openxmlformats.org/markup-compatibility/2006">
               <mc:Choice xmlns:v="urn:schemas-microsoft-com:vml" Requires="v">
-                <p:oleObj spid="_x0000_s1049" name="Packager Shell Object" showAsIcon="1" r:id="rId8" imgW="366480" imgH="437760" progId="Package">
+                <p:oleObj spid="_x0000_s1053" name="Packager Shell Object" showAsIcon="1" r:id="rId8" imgW="366480" imgH="437760" progId="Package">
                   <p:embed/>
                 </p:oleObj>
               </mc:Choice>
@@ -29304,12 +29306,18 @@
       </p:grpSpPr>
       <p:sp>
         <p:nvSpPr>
-          <p:cNvPr id="2" name="Text Placeholder 1"/>
+          <p:cNvPr id="2" name="Title 1">
+            <a:extLst>
+              <a:ext uri="{FF2B5EF4-FFF2-40B4-BE49-F238E27FC236}">
+                <a16:creationId xmlns:a16="http://schemas.microsoft.com/office/drawing/2014/main" id="{9C2A5E6C-DA47-454B-B307-E4F11A1E5441}"/>
+              </a:ext>
+            </a:extLst>
+          </p:cNvPr>
           <p:cNvSpPr>
             <a:spLocks noGrp="1"/>
           </p:cNvSpPr>
           <p:nvPr>
-            <p:ph type="body" sz="quarter" idx="14"/>
+            <p:ph type="title"/>
           </p:nvPr>
         </p:nvSpPr>
         <p:spPr/>
@@ -29319,36 +29327,89 @@
           <a:p>
             <a:r>
               <a:rPr lang="en-US" dirty="0"/>
-              <a:t>Exception Handling</a:t>
+              <a:t>Challenge</a:t>
+            </a:r>
+          </a:p>
+        </p:txBody>
+      </p:sp>
+      <p:sp>
+        <p:nvSpPr>
+          <p:cNvPr id="3" name="Text Placeholder 2">
+            <a:extLst>
+              <a:ext uri="{FF2B5EF4-FFF2-40B4-BE49-F238E27FC236}">
+                <a16:creationId xmlns:a16="http://schemas.microsoft.com/office/drawing/2014/main" id="{8027BE9B-001F-B24C-8ACD-668E65F72594}"/>
+              </a:ext>
+            </a:extLst>
+          </p:cNvPr>
+          <p:cNvSpPr>
+            <a:spLocks noGrp="1"/>
+          </p:cNvSpPr>
+          <p:nvPr>
+            <p:ph type="body" sz="quarter" idx="13"/>
+          </p:nvPr>
+        </p:nvSpPr>
+        <p:spPr/>
+        <p:txBody>
+          <a:bodyPr>
+            <a:normAutofit lnSpcReduction="10000"/>
+          </a:bodyPr>
+          <a:lstStyle/>
+          <a:p>
+            <a:r>
+              <a:rPr lang="en-US" dirty="0"/>
+              <a:t>Create a package named “geometry” containing a module named “</a:t>
+            </a:r>
+            <a:r>
+              <a:rPr lang="en-US" dirty="0" err="1"/>
+              <a:t>shapes.py</a:t>
+            </a:r>
+            <a:r>
+              <a:rPr lang="en-US" dirty="0"/>
+              <a:t>”. shapes contains:</a:t>
+            </a:r>
+          </a:p>
+          <a:p>
+            <a:pPr marL="457200" indent="-457200">
+              <a:buFont typeface="Arial" panose="020B0604020202020204" pitchFamily="34" charset="0"/>
+              <a:buChar char="•"/>
+            </a:pPr>
+            <a:r>
+              <a:rPr lang="en-US" dirty="0"/>
+              <a:t>A variable for pi (any precision is fine)</a:t>
+            </a:r>
+          </a:p>
+          <a:p>
+            <a:pPr marL="457200" indent="-457200">
+              <a:buFont typeface="Arial" panose="020B0604020202020204" pitchFamily="34" charset="0"/>
+              <a:buChar char="•"/>
+            </a:pPr>
+            <a:r>
+              <a:rPr lang="en-US" dirty="0"/>
+              <a:t>A function that takes in the radius of a circle and returns it’s area</a:t>
+            </a:r>
+          </a:p>
+          <a:p>
+            <a:pPr marL="457200" indent="-457200">
+              <a:buFont typeface="Arial" panose="020B0604020202020204" pitchFamily="34" charset="0"/>
+              <a:buChar char="•"/>
+            </a:pPr>
+            <a:r>
+              <a:rPr lang="en-US" dirty="0"/>
+              <a:t>A function that takes in the length and width of a rectangle and returns both it’s area and it’s perimeter</a:t>
             </a:r>
           </a:p>
         </p:txBody>
       </p:sp>
     </p:spTree>
-    <p:custDataLst>
-      <p:tags r:id="rId1"/>
-    </p:custDataLst>
     <p:extLst>
       <p:ext uri="{BB962C8B-B14F-4D97-AF65-F5344CB8AC3E}">
-        <p14:creationId xmlns:p14="http://schemas.microsoft.com/office/powerpoint/2010/main" val="1131946392"/>
+        <p14:creationId xmlns:p14="http://schemas.microsoft.com/office/powerpoint/2010/main" val="3967895523"/>
       </p:ext>
     </p:extLst>
   </p:cSld>
   <p:clrMapOvr>
     <a:masterClrMapping/>
   </p:clrMapOvr>
-  <mc:AlternateContent xmlns:mc="http://schemas.openxmlformats.org/markup-compatibility/2006" xmlns:p14="http://schemas.microsoft.com/office/powerpoint/2010/main">
-    <mc:Choice Requires="p14">
-      <p:transition spd="med" p14:dur="700">
-        <p:fade/>
-      </p:transition>
-    </mc:Choice>
-    <mc:Fallback xmlns="">
-      <p:transition spd="med">
-        <p:fade/>
-      </p:transition>
-    </mc:Fallback>
-  </mc:AlternateContent>
 </p:sld>
 </file>
 
@@ -29371,196 +29432,13 @@
       </p:grpSpPr>
       <p:sp>
         <p:nvSpPr>
-          <p:cNvPr id="4" name="Text Placeholder 3"/>
-          <p:cNvSpPr>
-            <a:spLocks noGrp="1"/>
-          </p:cNvSpPr>
-          <p:nvPr>
-            <p:ph type="body" sz="quarter" idx="13"/>
-          </p:nvPr>
-        </p:nvSpPr>
-        <p:spPr>
-          <a:xfrm>
-            <a:off x="381001" y="853371"/>
-            <a:ext cx="8382002" cy="3851979"/>
-          </a:xfrm>
-        </p:spPr>
-        <p:txBody>
-          <a:bodyPr>
-            <a:noAutofit/>
-          </a:bodyPr>
-          <a:lstStyle/>
-          <a:p>
-            <a:pPr marL="457200" indent="-457200">
-              <a:buBlip>
-                <a:blip r:embed="rId3"/>
-              </a:buBlip>
-            </a:pPr>
-            <a:r>
-              <a:rPr lang="en-US" sz="1800" dirty="0"/>
-              <a:t>When exceptions occur, it causes the current process to stop and passes it to the calling process until it is handled. If not handled properly then, our program will crash.</a:t>
-            </a:r>
-          </a:p>
-          <a:p>
-            <a:pPr marL="457200" indent="-457200">
-              <a:buBlip>
-                <a:blip r:embed="rId3"/>
-              </a:buBlip>
-            </a:pPr>
-            <a:r>
-              <a:rPr lang="en-US" sz="1800" dirty="0"/>
-              <a:t>If we have some </a:t>
-            </a:r>
-            <a:r>
-              <a:rPr lang="en-US" sz="1800" i="1" dirty="0"/>
-              <a:t>suspicious</a:t>
-            </a:r>
-            <a:r>
-              <a:rPr lang="en-US" sz="1800" dirty="0"/>
-              <a:t> code that may raise an </a:t>
-            </a:r>
-            <a:r>
-              <a:rPr lang="en-US" sz="1800" i="1" dirty="0"/>
-              <a:t>exception</a:t>
-            </a:r>
-            <a:r>
-              <a:rPr lang="en-US" sz="1800" dirty="0"/>
-              <a:t>, we can put the suspicious code inside </a:t>
-            </a:r>
-            <a:r>
-              <a:rPr lang="en-US" sz="1800" dirty="0">
-                <a:solidFill>
-                  <a:srgbClr val="00B0F0"/>
-                </a:solidFill>
-              </a:rPr>
-              <a:t>try</a:t>
-            </a:r>
-            <a:r>
-              <a:rPr lang="en-US" sz="1800" dirty="0"/>
-              <a:t> block, and followed by </a:t>
-            </a:r>
-            <a:r>
-              <a:rPr lang="en-US" sz="1800" i="1" dirty="0"/>
-              <a:t>try</a:t>
-            </a:r>
-            <a:r>
-              <a:rPr lang="en-US" sz="1800" dirty="0"/>
-              <a:t> block is the </a:t>
-            </a:r>
-            <a:r>
-              <a:rPr lang="en-US" sz="1800" dirty="0">
-                <a:solidFill>
-                  <a:srgbClr val="00B0F0"/>
-                </a:solidFill>
-              </a:rPr>
-              <a:t>except</a:t>
-            </a:r>
-            <a:r>
-              <a:rPr lang="en-US" sz="1800" dirty="0"/>
-              <a:t> statement &amp; block, which actually handles the problem.</a:t>
-            </a:r>
-          </a:p>
-          <a:p>
-            <a:pPr marL="457200" indent="-457200">
-              <a:buBlip>
-                <a:blip r:embed="rId3"/>
-              </a:buBlip>
-            </a:pPr>
-            <a:r>
-              <a:rPr lang="en-US" sz="1800" dirty="0"/>
-              <a:t>We can handle specific exceptions using syntax: </a:t>
-            </a:r>
-            <a:r>
-              <a:rPr lang="en-US" sz="1800" dirty="0">
-                <a:solidFill>
-                  <a:srgbClr val="00B0F0"/>
-                </a:solidFill>
-              </a:rPr>
-              <a:t>except &lt;error name&gt;</a:t>
-            </a:r>
-            <a:r>
-              <a:rPr lang="en-US" sz="1800" dirty="0">
-                <a:solidFill>
-                  <a:schemeClr val="bg1"/>
-                </a:solidFill>
-              </a:rPr>
-              <a:t>.</a:t>
-            </a:r>
-          </a:p>
-          <a:p>
-            <a:pPr marL="457200" indent="-457200">
-              <a:buBlip>
-                <a:blip r:embed="rId3"/>
-              </a:buBlip>
-            </a:pPr>
-            <a:r>
-              <a:rPr lang="en-US" sz="1800" dirty="0"/>
-              <a:t>We can also add a generic error handling block which manages all exceptions using syntax: </a:t>
-            </a:r>
-            <a:r>
-              <a:rPr lang="en-US" sz="1800" dirty="0">
-                <a:solidFill>
-                  <a:srgbClr val="00B0F0"/>
-                </a:solidFill>
-              </a:rPr>
-              <a:t>except</a:t>
-            </a:r>
-            <a:r>
-              <a:rPr lang="en-US" sz="1800" dirty="0"/>
-              <a:t>.</a:t>
-            </a:r>
-          </a:p>
-          <a:p>
-            <a:pPr marL="457200" indent="-457200">
-              <a:buBlip>
-                <a:blip r:embed="rId3"/>
-              </a:buBlip>
-            </a:pPr>
-            <a:r>
-              <a:rPr lang="en-US" sz="1800" dirty="0"/>
-              <a:t>An</a:t>
-            </a:r>
-            <a:r>
-              <a:rPr lang="en-US" sz="1800" dirty="0">
-                <a:solidFill>
-                  <a:srgbClr val="00B0F0"/>
-                </a:solidFill>
-              </a:rPr>
-              <a:t> else</a:t>
-            </a:r>
-            <a:r>
-              <a:rPr lang="en-US" sz="1800" dirty="0"/>
-              <a:t> block is processed only when try block executes without any error.</a:t>
-            </a:r>
-          </a:p>
-          <a:p>
-            <a:pPr marL="457200" indent="-457200">
-              <a:buBlip>
-                <a:blip r:embed="rId3"/>
-              </a:buBlip>
-            </a:pPr>
-            <a:r>
-              <a:rPr lang="en-US" sz="1800" dirty="0"/>
-              <a:t>The</a:t>
-            </a:r>
-            <a:r>
-              <a:rPr lang="en-US" sz="1800" dirty="0">
-                <a:solidFill>
-                  <a:srgbClr val="00B0F0"/>
-                </a:solidFill>
-              </a:rPr>
-              <a:t> finally</a:t>
-            </a:r>
-            <a:r>
-              <a:rPr lang="en-US" sz="1800" dirty="0"/>
-              <a:t> block is processed irrespective of whether or not any exception  occurs inside try block.</a:t>
-            </a:r>
-          </a:p>
-        </p:txBody>
-      </p:sp>
-      <p:sp>
-        <p:nvSpPr>
-          <p:cNvPr id="3" name="Title 2"/>
+          <p:cNvPr id="2" name="Title 1">
+            <a:extLst>
+              <a:ext uri="{FF2B5EF4-FFF2-40B4-BE49-F238E27FC236}">
+                <a16:creationId xmlns:a16="http://schemas.microsoft.com/office/drawing/2014/main" id="{1A08CBAD-355E-464E-9CF8-01ED5790827C}"/>
+              </a:ext>
+            </a:extLst>
+          </p:cNvPr>
           <p:cNvSpPr>
             <a:spLocks noGrp="1"/>
           </p:cNvSpPr>
@@ -29575,36 +29453,82 @@
           <a:p>
             <a:r>
               <a:rPr lang="en-US" dirty="0"/>
-              <a:t>Exception Handling</a:t>
+              <a:t>Challenge cont.</a:t>
+            </a:r>
+          </a:p>
+        </p:txBody>
+      </p:sp>
+      <p:sp>
+        <p:nvSpPr>
+          <p:cNvPr id="3" name="Text Placeholder 2">
+            <a:extLst>
+              <a:ext uri="{FF2B5EF4-FFF2-40B4-BE49-F238E27FC236}">
+                <a16:creationId xmlns:a16="http://schemas.microsoft.com/office/drawing/2014/main" id="{78DC3890-676B-DD49-8D5F-96E043A856BC}"/>
+              </a:ext>
+            </a:extLst>
+          </p:cNvPr>
+          <p:cNvSpPr>
+            <a:spLocks noGrp="1"/>
+          </p:cNvSpPr>
+          <p:nvPr>
+            <p:ph type="body" sz="quarter" idx="13"/>
+          </p:nvPr>
+        </p:nvSpPr>
+        <p:spPr/>
+        <p:txBody>
+          <a:bodyPr/>
+          <a:lstStyle/>
+          <a:p>
+            <a:r>
+              <a:rPr lang="en-US" dirty="0"/>
+              <a:t>Create a script named “</a:t>
+            </a:r>
+            <a:r>
+              <a:rPr lang="en-US" dirty="0" err="1"/>
+              <a:t>shaperunner.py</a:t>
+            </a:r>
+            <a:r>
+              <a:rPr lang="en-US" dirty="0"/>
+              <a:t>”, also in the geometry package, that imports </a:t>
+            </a:r>
+            <a:r>
+              <a:rPr lang="en-US" dirty="0" err="1"/>
+              <a:t>shapes.py</a:t>
+            </a:r>
+            <a:r>
+              <a:rPr lang="en-US" dirty="0"/>
+              <a:t> and calls it’s functions.</a:t>
+            </a:r>
+          </a:p>
+          <a:p>
+            <a:endParaRPr lang="en-US" dirty="0"/>
+          </a:p>
+          <a:p>
+            <a:r>
+              <a:rPr lang="en-US" dirty="0"/>
+              <a:t>Run </a:t>
+            </a:r>
+            <a:r>
+              <a:rPr lang="en-US" dirty="0" err="1"/>
+              <a:t>shaperunner.py</a:t>
+            </a:r>
+            <a:r>
+              <a:rPr lang="en-US" dirty="0"/>
+              <a:t> from the command line.</a:t>
             </a:r>
           </a:p>
         </p:txBody>
       </p:sp>
     </p:spTree>
-    <p:custDataLst>
-      <p:tags r:id="rId1"/>
-    </p:custDataLst>
     <p:extLst>
       <p:ext uri="{BB962C8B-B14F-4D97-AF65-F5344CB8AC3E}">
-        <p14:creationId xmlns:p14="http://schemas.microsoft.com/office/powerpoint/2010/main" val="1724983594"/>
+        <p14:creationId xmlns:p14="http://schemas.microsoft.com/office/powerpoint/2010/main" val="3684786411"/>
       </p:ext>
     </p:extLst>
   </p:cSld>
   <p:clrMapOvr>
     <a:masterClrMapping/>
   </p:clrMapOvr>
-  <mc:AlternateContent xmlns:mc="http://schemas.openxmlformats.org/markup-compatibility/2006" xmlns:p14="http://schemas.microsoft.com/office/powerpoint/2010/main">
-    <mc:Choice Requires="p14">
-      <p:transition spd="med" p14:dur="700">
-        <p:fade/>
-      </p:transition>
-    </mc:Choice>
-    <mc:Fallback xmlns="">
-      <p:transition spd="med">
-        <p:fade/>
-      </p:transition>
-    </mc:Fallback>
-  </mc:AlternateContent>
 </p:sld>
 </file>
 
@@ -29746,6 +29670,329 @@
 </file>
 
 <file path=ppt/slides/slide20.xml><?xml version="1.0" encoding="utf-8"?>
+<p:sld xmlns:a="http://schemas.openxmlformats.org/drawingml/2006/main" xmlns:r="http://schemas.openxmlformats.org/officeDocument/2006/relationships" xmlns:p="http://schemas.openxmlformats.org/presentationml/2006/main">
+  <p:cSld>
+    <p:spTree>
+      <p:nvGrpSpPr>
+        <p:cNvPr id="1" name=""/>
+        <p:cNvGrpSpPr/>
+        <p:nvPr/>
+      </p:nvGrpSpPr>
+      <p:grpSpPr>
+        <a:xfrm>
+          <a:off x="0" y="0"/>
+          <a:ext cx="0" cy="0"/>
+          <a:chOff x="0" y="0"/>
+          <a:chExt cx="0" cy="0"/>
+        </a:xfrm>
+      </p:grpSpPr>
+      <p:sp>
+        <p:nvSpPr>
+          <p:cNvPr id="2" name="Text Placeholder 1"/>
+          <p:cNvSpPr>
+            <a:spLocks noGrp="1"/>
+          </p:cNvSpPr>
+          <p:nvPr>
+            <p:ph type="body" sz="quarter" idx="14"/>
+          </p:nvPr>
+        </p:nvSpPr>
+        <p:spPr/>
+        <p:txBody>
+          <a:bodyPr/>
+          <a:lstStyle/>
+          <a:p>
+            <a:r>
+              <a:rPr lang="en-US" dirty="0"/>
+              <a:t>Exception Handling</a:t>
+            </a:r>
+          </a:p>
+        </p:txBody>
+      </p:sp>
+    </p:spTree>
+    <p:custDataLst>
+      <p:tags r:id="rId1"/>
+    </p:custDataLst>
+    <p:extLst>
+      <p:ext uri="{BB962C8B-B14F-4D97-AF65-F5344CB8AC3E}">
+        <p14:creationId xmlns:p14="http://schemas.microsoft.com/office/powerpoint/2010/main" val="1131946392"/>
+      </p:ext>
+    </p:extLst>
+  </p:cSld>
+  <p:clrMapOvr>
+    <a:masterClrMapping/>
+  </p:clrMapOvr>
+  <mc:AlternateContent xmlns:mc="http://schemas.openxmlformats.org/markup-compatibility/2006" xmlns:p14="http://schemas.microsoft.com/office/powerpoint/2010/main">
+    <mc:Choice Requires="p14">
+      <p:transition spd="med" p14:dur="700">
+        <p:fade/>
+      </p:transition>
+    </mc:Choice>
+    <mc:Fallback xmlns="">
+      <p:transition spd="med">
+        <p:fade/>
+      </p:transition>
+    </mc:Fallback>
+  </mc:AlternateContent>
+</p:sld>
+</file>
+
+<file path=ppt/slides/slide21.xml><?xml version="1.0" encoding="utf-8"?>
+<p:sld xmlns:a="http://schemas.openxmlformats.org/drawingml/2006/main" xmlns:r="http://schemas.openxmlformats.org/officeDocument/2006/relationships" xmlns:p="http://schemas.openxmlformats.org/presentationml/2006/main">
+  <p:cSld>
+    <p:spTree>
+      <p:nvGrpSpPr>
+        <p:cNvPr id="1" name=""/>
+        <p:cNvGrpSpPr/>
+        <p:nvPr/>
+      </p:nvGrpSpPr>
+      <p:grpSpPr>
+        <a:xfrm>
+          <a:off x="0" y="0"/>
+          <a:ext cx="0" cy="0"/>
+          <a:chOff x="0" y="0"/>
+          <a:chExt cx="0" cy="0"/>
+        </a:xfrm>
+      </p:grpSpPr>
+      <p:sp>
+        <p:nvSpPr>
+          <p:cNvPr id="4" name="Text Placeholder 3"/>
+          <p:cNvSpPr>
+            <a:spLocks noGrp="1"/>
+          </p:cNvSpPr>
+          <p:nvPr>
+            <p:ph type="body" sz="quarter" idx="13"/>
+          </p:nvPr>
+        </p:nvSpPr>
+        <p:spPr>
+          <a:xfrm>
+            <a:off x="381001" y="853371"/>
+            <a:ext cx="8382002" cy="3851979"/>
+          </a:xfrm>
+        </p:spPr>
+        <p:txBody>
+          <a:bodyPr>
+            <a:noAutofit/>
+          </a:bodyPr>
+          <a:lstStyle/>
+          <a:p>
+            <a:pPr marL="457200" indent="-457200">
+              <a:buBlip>
+                <a:blip r:embed="rId3"/>
+              </a:buBlip>
+            </a:pPr>
+            <a:r>
+              <a:rPr lang="en-US" sz="1800" dirty="0"/>
+              <a:t>When exceptions occur, it causes the current process to stop and passes it to the calling process until it is handled. If not handled properly then, our program will crash.</a:t>
+            </a:r>
+          </a:p>
+          <a:p>
+            <a:pPr marL="457200" indent="-457200">
+              <a:buBlip>
+                <a:blip r:embed="rId3"/>
+              </a:buBlip>
+            </a:pPr>
+            <a:r>
+              <a:rPr lang="en-US" sz="1800" dirty="0"/>
+              <a:t>If we have some </a:t>
+            </a:r>
+            <a:r>
+              <a:rPr lang="en-US" sz="1800" i="1" dirty="0"/>
+              <a:t>suspicious</a:t>
+            </a:r>
+            <a:r>
+              <a:rPr lang="en-US" sz="1800" dirty="0"/>
+              <a:t> code that may raise an </a:t>
+            </a:r>
+            <a:r>
+              <a:rPr lang="en-US" sz="1800" i="1" dirty="0"/>
+              <a:t>exception</a:t>
+            </a:r>
+            <a:r>
+              <a:rPr lang="en-US" sz="1800" dirty="0"/>
+              <a:t>, we can put the suspicious code inside </a:t>
+            </a:r>
+            <a:r>
+              <a:rPr lang="en-US" sz="1800" dirty="0">
+                <a:solidFill>
+                  <a:srgbClr val="00B0F0"/>
+                </a:solidFill>
+              </a:rPr>
+              <a:t>try</a:t>
+            </a:r>
+            <a:r>
+              <a:rPr lang="en-US" sz="1800" dirty="0"/>
+              <a:t> block, and followed by </a:t>
+            </a:r>
+            <a:r>
+              <a:rPr lang="en-US" sz="1800" i="1" dirty="0"/>
+              <a:t>try</a:t>
+            </a:r>
+            <a:r>
+              <a:rPr lang="en-US" sz="1800" dirty="0"/>
+              <a:t> block is the </a:t>
+            </a:r>
+            <a:r>
+              <a:rPr lang="en-US" sz="1800" dirty="0">
+                <a:solidFill>
+                  <a:srgbClr val="00B0F0"/>
+                </a:solidFill>
+              </a:rPr>
+              <a:t>except</a:t>
+            </a:r>
+            <a:r>
+              <a:rPr lang="en-US" sz="1800" dirty="0"/>
+              <a:t> statement &amp; block, which actually handles the problem.</a:t>
+            </a:r>
+          </a:p>
+          <a:p>
+            <a:pPr marL="457200" indent="-457200">
+              <a:buBlip>
+                <a:blip r:embed="rId3"/>
+              </a:buBlip>
+            </a:pPr>
+            <a:r>
+              <a:rPr lang="en-US" sz="1800" dirty="0"/>
+              <a:t>We can handle specific exceptions using syntax: </a:t>
+            </a:r>
+            <a:r>
+              <a:rPr lang="en-US" sz="1800" dirty="0">
+                <a:solidFill>
+                  <a:srgbClr val="00B0F0"/>
+                </a:solidFill>
+              </a:rPr>
+              <a:t>except &lt;error name&gt;</a:t>
+            </a:r>
+            <a:r>
+              <a:rPr lang="en-US" sz="1800" dirty="0">
+                <a:solidFill>
+                  <a:schemeClr val="bg1"/>
+                </a:solidFill>
+              </a:rPr>
+              <a:t>.</a:t>
+            </a:r>
+          </a:p>
+          <a:p>
+            <a:pPr marL="457200" indent="-457200">
+              <a:buBlip>
+                <a:blip r:embed="rId3"/>
+              </a:buBlip>
+            </a:pPr>
+            <a:r>
+              <a:rPr lang="en-US" sz="1800" dirty="0"/>
+              <a:t>We can also add a generic error handling block which manages all exceptions using syntax: </a:t>
+            </a:r>
+            <a:r>
+              <a:rPr lang="en-US" sz="1800" dirty="0">
+                <a:solidFill>
+                  <a:srgbClr val="00B0F0"/>
+                </a:solidFill>
+              </a:rPr>
+              <a:t>except</a:t>
+            </a:r>
+            <a:r>
+              <a:rPr lang="en-US" sz="1800" dirty="0"/>
+              <a:t>.</a:t>
+            </a:r>
+          </a:p>
+          <a:p>
+            <a:pPr marL="457200" indent="-457200">
+              <a:buBlip>
+                <a:blip r:embed="rId3"/>
+              </a:buBlip>
+            </a:pPr>
+            <a:r>
+              <a:rPr lang="en-US" sz="1800" dirty="0"/>
+              <a:t>An</a:t>
+            </a:r>
+            <a:r>
+              <a:rPr lang="en-US" sz="1800" dirty="0">
+                <a:solidFill>
+                  <a:srgbClr val="00B0F0"/>
+                </a:solidFill>
+              </a:rPr>
+              <a:t> else</a:t>
+            </a:r>
+            <a:r>
+              <a:rPr lang="en-US" sz="1800" dirty="0"/>
+              <a:t> block is processed only when try block executes without any error.</a:t>
+            </a:r>
+          </a:p>
+          <a:p>
+            <a:pPr marL="457200" indent="-457200">
+              <a:buBlip>
+                <a:blip r:embed="rId3"/>
+              </a:buBlip>
+            </a:pPr>
+            <a:r>
+              <a:rPr lang="en-US" sz="1800" dirty="0"/>
+              <a:t>The</a:t>
+            </a:r>
+            <a:r>
+              <a:rPr lang="en-US" sz="1800" dirty="0">
+                <a:solidFill>
+                  <a:srgbClr val="00B0F0"/>
+                </a:solidFill>
+              </a:rPr>
+              <a:t> finally</a:t>
+            </a:r>
+            <a:r>
+              <a:rPr lang="en-US" sz="1800" dirty="0"/>
+              <a:t> block is processed irrespective of whether or not any exception  occurs inside try block.</a:t>
+            </a:r>
+          </a:p>
+        </p:txBody>
+      </p:sp>
+      <p:sp>
+        <p:nvSpPr>
+          <p:cNvPr id="3" name="Title 2"/>
+          <p:cNvSpPr>
+            <a:spLocks noGrp="1"/>
+          </p:cNvSpPr>
+          <p:nvPr>
+            <p:ph type="title"/>
+          </p:nvPr>
+        </p:nvSpPr>
+        <p:spPr/>
+        <p:txBody>
+          <a:bodyPr/>
+          <a:lstStyle/>
+          <a:p>
+            <a:r>
+              <a:rPr lang="en-US" dirty="0"/>
+              <a:t>Exception Handling</a:t>
+            </a:r>
+          </a:p>
+        </p:txBody>
+      </p:sp>
+    </p:spTree>
+    <p:custDataLst>
+      <p:tags r:id="rId1"/>
+    </p:custDataLst>
+    <p:extLst>
+      <p:ext uri="{BB962C8B-B14F-4D97-AF65-F5344CB8AC3E}">
+        <p14:creationId xmlns:p14="http://schemas.microsoft.com/office/powerpoint/2010/main" val="1724983594"/>
+      </p:ext>
+    </p:extLst>
+  </p:cSld>
+  <p:clrMapOvr>
+    <a:masterClrMapping/>
+  </p:clrMapOvr>
+  <mc:AlternateContent xmlns:mc="http://schemas.openxmlformats.org/markup-compatibility/2006" xmlns:p14="http://schemas.microsoft.com/office/powerpoint/2010/main">
+    <mc:Choice Requires="p14">
+      <p:transition spd="med" p14:dur="700">
+        <p:fade/>
+      </p:transition>
+    </mc:Choice>
+    <mc:Fallback xmlns="">
+      <p:transition spd="med">
+        <p:fade/>
+      </p:transition>
+    </mc:Fallback>
+  </mc:AlternateContent>
+</p:sld>
+</file>
+
+<file path=ppt/slides/slide22.xml><?xml version="1.0" encoding="utf-8"?>
 <p:sld xmlns:a="http://schemas.openxmlformats.org/drawingml/2006/main" xmlns:r="http://schemas.openxmlformats.org/officeDocument/2006/relationships" xmlns:p="http://schemas.openxmlformats.org/presentationml/2006/main">
   <p:cSld>
     <p:spTree>
@@ -30320,7 +30567,7 @@
           <a:graphicData uri="http://schemas.openxmlformats.org/presentationml/2006/ole">
             <mc:AlternateContent xmlns:mc="http://schemas.openxmlformats.org/markup-compatibility/2006">
               <mc:Choice xmlns:v="urn:schemas-microsoft-com:vml" Requires="v">
-                <p:oleObj spid="_x0000_s2060" name="Packager Shell Object" showAsIcon="1" r:id="rId6" imgW="879480" imgH="437760" progId="Package">
+                <p:oleObj spid="_x0000_s2062" name="Packager Shell Object" showAsIcon="1" r:id="rId6" imgW="879480" imgH="437760" progId="Package">
                   <p:embed/>
                 </p:oleObj>
               </mc:Choice>
@@ -30383,7 +30630,7 @@
 </p:sld>
 </file>
 
-<file path=ppt/slides/slide21.xml><?xml version="1.0" encoding="utf-8"?>
+<file path=ppt/slides/slide23.xml><?xml version="1.0" encoding="utf-8"?>
 <p:sld xmlns:a="http://schemas.openxmlformats.org/drawingml/2006/main" xmlns:r="http://schemas.openxmlformats.org/officeDocument/2006/relationships" xmlns:p="http://schemas.openxmlformats.org/presentationml/2006/main">
   <p:cSld>
     <p:spTree>
@@ -30455,7 +30702,7 @@
 </p:sld>
 </file>
 
-<file path=ppt/slides/slide22.xml><?xml version="1.0" encoding="utf-8"?>
+<file path=ppt/slides/slide24.xml><?xml version="1.0" encoding="utf-8"?>
 <p:sld xmlns:a="http://schemas.openxmlformats.org/drawingml/2006/main" xmlns:r="http://schemas.openxmlformats.org/officeDocument/2006/relationships" xmlns:p="http://schemas.openxmlformats.org/presentationml/2006/main">
   <p:cSld>
     <p:spTree>
@@ -30688,7 +30935,7 @@
 </p:sld>
 </file>
 
-<file path=ppt/slides/slide23.xml><?xml version="1.0" encoding="utf-8"?>
+<file path=ppt/slides/slide25.xml><?xml version="1.0" encoding="utf-8"?>
 <p:sld xmlns:a="http://schemas.openxmlformats.org/drawingml/2006/main" xmlns:r="http://schemas.openxmlformats.org/officeDocument/2006/relationships" xmlns:p="http://schemas.openxmlformats.org/presentationml/2006/main">
   <p:cSld>
     <p:spTree>
@@ -31389,7 +31636,7 @@
 </p:sld>
 </file>
 
-<file path=ppt/slides/slide24.xml><?xml version="1.0" encoding="utf-8"?>
+<file path=ppt/slides/slide26.xml><?xml version="1.0" encoding="utf-8"?>
 <p:sld xmlns:a="http://schemas.openxmlformats.org/drawingml/2006/main" xmlns:r="http://schemas.openxmlformats.org/officeDocument/2006/relationships" xmlns:p="http://schemas.openxmlformats.org/presentationml/2006/main">
   <p:cSld>
     <p:spTree>
@@ -31926,7 +32173,7 @@
 </p:sld>
 </file>
 
-<file path=ppt/slides/slide25.xml><?xml version="1.0" encoding="utf-8"?>
+<file path=ppt/slides/slide27.xml><?xml version="1.0" encoding="utf-8"?>
 <p:sld xmlns:a="http://schemas.openxmlformats.org/drawingml/2006/main" xmlns:r="http://schemas.openxmlformats.org/officeDocument/2006/relationships" xmlns:p="http://schemas.openxmlformats.org/presentationml/2006/main">
   <p:cSld>
     <p:spTree>
@@ -32398,7 +32645,7 @@
 </p:sld>
 </file>
 
-<file path=ppt/slides/slide26.xml><?xml version="1.0" encoding="utf-8"?>
+<file path=ppt/slides/slide28.xml><?xml version="1.0" encoding="utf-8"?>
 <p:sld xmlns:a="http://schemas.openxmlformats.org/drawingml/2006/main" xmlns:r="http://schemas.openxmlformats.org/officeDocument/2006/relationships" xmlns:p="http://schemas.openxmlformats.org/presentationml/2006/main">
   <p:cSld>
     <p:spTree>
@@ -32870,7 +33117,7 @@
 </p:sld>
 </file>
 
-<file path=ppt/slides/slide27.xml><?xml version="1.0" encoding="utf-8"?>
+<file path=ppt/slides/slide29.xml><?xml version="1.0" encoding="utf-8"?>
 <p:sld xmlns:a="http://schemas.openxmlformats.org/drawingml/2006/main" xmlns:r="http://schemas.openxmlformats.org/officeDocument/2006/relationships" xmlns:p="http://schemas.openxmlformats.org/presentationml/2006/main">
   <p:cSld>
     <p:spTree>
@@ -33271,7 +33518,163 @@
 </p:sld>
 </file>
 
-<file path=ppt/slides/slide28.xml><?xml version="1.0" encoding="utf-8"?>
+<file path=ppt/slides/slide3.xml><?xml version="1.0" encoding="utf-8"?>
+<p:sld xmlns:a="http://schemas.openxmlformats.org/drawingml/2006/main" xmlns:r="http://schemas.openxmlformats.org/officeDocument/2006/relationships" xmlns:p="http://schemas.openxmlformats.org/presentationml/2006/main">
+  <p:cSld>
+    <p:spTree>
+      <p:nvGrpSpPr>
+        <p:cNvPr id="1" name=""/>
+        <p:cNvGrpSpPr/>
+        <p:nvPr/>
+      </p:nvGrpSpPr>
+      <p:grpSpPr>
+        <a:xfrm>
+          <a:off x="0" y="0"/>
+          <a:ext cx="0" cy="0"/>
+          <a:chOff x="0" y="0"/>
+          <a:chExt cx="0" cy="0"/>
+        </a:xfrm>
+      </p:grpSpPr>
+      <p:sp>
+        <p:nvSpPr>
+          <p:cNvPr id="4" name="Title 3"/>
+          <p:cNvSpPr>
+            <a:spLocks noGrp="1"/>
+          </p:cNvSpPr>
+          <p:nvPr>
+            <p:ph type="title"/>
+          </p:nvPr>
+        </p:nvSpPr>
+        <p:spPr/>
+        <p:txBody>
+          <a:bodyPr/>
+          <a:lstStyle/>
+          <a:p>
+            <a:r>
+              <a:rPr lang="en-US" dirty="0"/>
+              <a:t>Terminal Objectives</a:t>
+            </a:r>
+          </a:p>
+        </p:txBody>
+      </p:sp>
+      <p:sp>
+        <p:nvSpPr>
+          <p:cNvPr id="5" name="Text Placeholder 4"/>
+          <p:cNvSpPr>
+            <a:spLocks noGrp="1"/>
+          </p:cNvSpPr>
+          <p:nvPr>
+            <p:ph type="body" sz="quarter" idx="13"/>
+          </p:nvPr>
+        </p:nvSpPr>
+        <p:spPr>
+          <a:xfrm>
+            <a:off x="381000" y="853372"/>
+            <a:ext cx="8382000" cy="4004377"/>
+          </a:xfrm>
+        </p:spPr>
+        <p:txBody>
+          <a:bodyPr>
+            <a:normAutofit/>
+          </a:bodyPr>
+          <a:lstStyle/>
+          <a:p>
+            <a:pPr marL="457200" indent="-457200" fontAlgn="base">
+              <a:buBlip>
+                <a:blip r:embed="rId3"/>
+              </a:buBlip>
+            </a:pPr>
+            <a:r>
+              <a:rPr lang="en-US" sz="2600" dirty="0"/>
+              <a:t>To learn how to write functions.</a:t>
+            </a:r>
+          </a:p>
+          <a:p>
+            <a:pPr marL="457200" indent="-457200" fontAlgn="base">
+              <a:buBlip>
+                <a:blip r:embed="rId3"/>
+              </a:buBlip>
+            </a:pPr>
+            <a:r>
+              <a:rPr lang="en-US" sz="2600" dirty="0"/>
+              <a:t>To know what are the modules &amp; packages.</a:t>
+            </a:r>
+          </a:p>
+          <a:p>
+            <a:pPr marL="457200" indent="-457200" fontAlgn="base">
+              <a:buBlip>
+                <a:blip r:embed="rId3"/>
+              </a:buBlip>
+            </a:pPr>
+            <a:r>
+              <a:rPr lang="en-US" sz="2600" dirty="0"/>
+              <a:t>To learn how to design your own module and use it.</a:t>
+            </a:r>
+          </a:p>
+          <a:p>
+            <a:pPr marL="457200" indent="-457200" fontAlgn="base">
+              <a:buBlip>
+                <a:blip r:embed="rId3"/>
+              </a:buBlip>
+            </a:pPr>
+            <a:r>
+              <a:rPr lang="en-US" sz="2600" dirty="0"/>
+              <a:t>To learn how to handle exceptions in program.</a:t>
+            </a:r>
+          </a:p>
+          <a:p>
+            <a:pPr marL="457200" indent="-457200" fontAlgn="base">
+              <a:buBlip>
+                <a:blip r:embed="rId3"/>
+              </a:buBlip>
+            </a:pPr>
+            <a:r>
+              <a:rPr lang="en-US" sz="2600" dirty="0"/>
+              <a:t>To learn how files can be handled using Python.</a:t>
+            </a:r>
+          </a:p>
+          <a:p>
+            <a:pPr marL="457200" indent="-457200" fontAlgn="base">
+              <a:buBlip>
+                <a:blip r:embed="rId3"/>
+              </a:buBlip>
+            </a:pPr>
+            <a:r>
+              <a:rPr lang="en-US" sz="2600" dirty="0"/>
+              <a:t>To learn how to use regular expressions in Python.</a:t>
+            </a:r>
+          </a:p>
+        </p:txBody>
+      </p:sp>
+    </p:spTree>
+    <p:custDataLst>
+      <p:tags r:id="rId1"/>
+    </p:custDataLst>
+    <p:extLst>
+      <p:ext uri="{BB962C8B-B14F-4D97-AF65-F5344CB8AC3E}">
+        <p14:creationId xmlns:p14="http://schemas.microsoft.com/office/powerpoint/2010/main" val="2632047257"/>
+      </p:ext>
+    </p:extLst>
+  </p:cSld>
+  <p:clrMapOvr>
+    <a:masterClrMapping/>
+  </p:clrMapOvr>
+  <mc:AlternateContent xmlns:mc="http://schemas.openxmlformats.org/markup-compatibility/2006" xmlns:p14="http://schemas.microsoft.com/office/powerpoint/2010/main">
+    <mc:Choice Requires="p14">
+      <p:transition spd="med" p14:dur="700">
+        <p:fade/>
+      </p:transition>
+    </mc:Choice>
+    <mc:Fallback xmlns="">
+      <p:transition spd="med">
+        <p:fade/>
+      </p:transition>
+    </mc:Fallback>
+  </mc:AlternateContent>
+</p:sld>
+</file>
+
+<file path=ppt/slides/slide30.xml><?xml version="1.0" encoding="utf-8"?>
 <p:sld xmlns:a="http://schemas.openxmlformats.org/drawingml/2006/main" xmlns:r="http://schemas.openxmlformats.org/officeDocument/2006/relationships" xmlns:p="http://schemas.openxmlformats.org/presentationml/2006/main">
   <p:cSld>
     <p:spTree>
@@ -33343,7 +33746,7 @@
 </p:sld>
 </file>
 
-<file path=ppt/slides/slide29.xml><?xml version="1.0" encoding="utf-8"?>
+<file path=ppt/slides/slide31.xml><?xml version="1.0" encoding="utf-8"?>
 <p:sld xmlns:a="http://schemas.openxmlformats.org/drawingml/2006/main" xmlns:r="http://schemas.openxmlformats.org/officeDocument/2006/relationships" xmlns:p="http://schemas.openxmlformats.org/presentationml/2006/main">
   <p:cSld>
     <p:spTree>
@@ -33688,163 +34091,7 @@
 </p:sld>
 </file>
 
-<file path=ppt/slides/slide3.xml><?xml version="1.0" encoding="utf-8"?>
-<p:sld xmlns:a="http://schemas.openxmlformats.org/drawingml/2006/main" xmlns:r="http://schemas.openxmlformats.org/officeDocument/2006/relationships" xmlns:p="http://schemas.openxmlformats.org/presentationml/2006/main">
-  <p:cSld>
-    <p:spTree>
-      <p:nvGrpSpPr>
-        <p:cNvPr id="1" name=""/>
-        <p:cNvGrpSpPr/>
-        <p:nvPr/>
-      </p:nvGrpSpPr>
-      <p:grpSpPr>
-        <a:xfrm>
-          <a:off x="0" y="0"/>
-          <a:ext cx="0" cy="0"/>
-          <a:chOff x="0" y="0"/>
-          <a:chExt cx="0" cy="0"/>
-        </a:xfrm>
-      </p:grpSpPr>
-      <p:sp>
-        <p:nvSpPr>
-          <p:cNvPr id="4" name="Title 3"/>
-          <p:cNvSpPr>
-            <a:spLocks noGrp="1"/>
-          </p:cNvSpPr>
-          <p:nvPr>
-            <p:ph type="title"/>
-          </p:nvPr>
-        </p:nvSpPr>
-        <p:spPr/>
-        <p:txBody>
-          <a:bodyPr/>
-          <a:lstStyle/>
-          <a:p>
-            <a:r>
-              <a:rPr lang="en-US" dirty="0"/>
-              <a:t>Terminal Objectives</a:t>
-            </a:r>
-          </a:p>
-        </p:txBody>
-      </p:sp>
-      <p:sp>
-        <p:nvSpPr>
-          <p:cNvPr id="5" name="Text Placeholder 4"/>
-          <p:cNvSpPr>
-            <a:spLocks noGrp="1"/>
-          </p:cNvSpPr>
-          <p:nvPr>
-            <p:ph type="body" sz="quarter" idx="13"/>
-          </p:nvPr>
-        </p:nvSpPr>
-        <p:spPr>
-          <a:xfrm>
-            <a:off x="381000" y="853372"/>
-            <a:ext cx="8382000" cy="4004377"/>
-          </a:xfrm>
-        </p:spPr>
-        <p:txBody>
-          <a:bodyPr>
-            <a:normAutofit/>
-          </a:bodyPr>
-          <a:lstStyle/>
-          <a:p>
-            <a:pPr marL="457200" indent="-457200" fontAlgn="base">
-              <a:buBlip>
-                <a:blip r:embed="rId3"/>
-              </a:buBlip>
-            </a:pPr>
-            <a:r>
-              <a:rPr lang="en-US" sz="2600" dirty="0"/>
-              <a:t>To learn how to write functions.</a:t>
-            </a:r>
-          </a:p>
-          <a:p>
-            <a:pPr marL="457200" indent="-457200" fontAlgn="base">
-              <a:buBlip>
-                <a:blip r:embed="rId3"/>
-              </a:buBlip>
-            </a:pPr>
-            <a:r>
-              <a:rPr lang="en-US" sz="2600" dirty="0"/>
-              <a:t>To know what are the modules &amp; packages.</a:t>
-            </a:r>
-          </a:p>
-          <a:p>
-            <a:pPr marL="457200" indent="-457200" fontAlgn="base">
-              <a:buBlip>
-                <a:blip r:embed="rId3"/>
-              </a:buBlip>
-            </a:pPr>
-            <a:r>
-              <a:rPr lang="en-US" sz="2600" dirty="0"/>
-              <a:t>To learn how to design your own module and use it.</a:t>
-            </a:r>
-          </a:p>
-          <a:p>
-            <a:pPr marL="457200" indent="-457200" fontAlgn="base">
-              <a:buBlip>
-                <a:blip r:embed="rId3"/>
-              </a:buBlip>
-            </a:pPr>
-            <a:r>
-              <a:rPr lang="en-US" sz="2600" dirty="0"/>
-              <a:t>To learn how to handle exceptions in program.</a:t>
-            </a:r>
-          </a:p>
-          <a:p>
-            <a:pPr marL="457200" indent="-457200" fontAlgn="base">
-              <a:buBlip>
-                <a:blip r:embed="rId3"/>
-              </a:buBlip>
-            </a:pPr>
-            <a:r>
-              <a:rPr lang="en-US" sz="2600" dirty="0"/>
-              <a:t>To learn how files can be handled using Python.</a:t>
-            </a:r>
-          </a:p>
-          <a:p>
-            <a:pPr marL="457200" indent="-457200" fontAlgn="base">
-              <a:buBlip>
-                <a:blip r:embed="rId3"/>
-              </a:buBlip>
-            </a:pPr>
-            <a:r>
-              <a:rPr lang="en-US" sz="2600" dirty="0"/>
-              <a:t>To learn how to use regular expressions in Python.</a:t>
-            </a:r>
-          </a:p>
-        </p:txBody>
-      </p:sp>
-    </p:spTree>
-    <p:custDataLst>
-      <p:tags r:id="rId1"/>
-    </p:custDataLst>
-    <p:extLst>
-      <p:ext uri="{BB962C8B-B14F-4D97-AF65-F5344CB8AC3E}">
-        <p14:creationId xmlns:p14="http://schemas.microsoft.com/office/powerpoint/2010/main" val="2632047257"/>
-      </p:ext>
-    </p:extLst>
-  </p:cSld>
-  <p:clrMapOvr>
-    <a:masterClrMapping/>
-  </p:clrMapOvr>
-  <mc:AlternateContent xmlns:mc="http://schemas.openxmlformats.org/markup-compatibility/2006" xmlns:p14="http://schemas.microsoft.com/office/powerpoint/2010/main">
-    <mc:Choice Requires="p14">
-      <p:transition spd="med" p14:dur="700">
-        <p:fade/>
-      </p:transition>
-    </mc:Choice>
-    <mc:Fallback xmlns="">
-      <p:transition spd="med">
-        <p:fade/>
-      </p:transition>
-    </mc:Fallback>
-  </mc:AlternateContent>
-</p:sld>
-</file>
-
-<file path=ppt/slides/slide30.xml><?xml version="1.0" encoding="utf-8"?>
+<file path=ppt/slides/slide32.xml><?xml version="1.0" encoding="utf-8"?>
 <p:sld xmlns:a="http://schemas.openxmlformats.org/drawingml/2006/main" xmlns:r="http://schemas.openxmlformats.org/officeDocument/2006/relationships" xmlns:p="http://schemas.openxmlformats.org/presentationml/2006/main">
   <p:cSld>
     <p:spTree>
@@ -34413,7 +34660,7 @@
 </p:sld>
 </file>
 
-<file path=ppt/slides/slide31.xml><?xml version="1.0" encoding="utf-8"?>
+<file path=ppt/slides/slide33.xml><?xml version="1.0" encoding="utf-8"?>
 <p:sld xmlns:a="http://schemas.openxmlformats.org/drawingml/2006/main" xmlns:r="http://schemas.openxmlformats.org/officeDocument/2006/relationships" xmlns:p="http://schemas.openxmlformats.org/presentationml/2006/main">
   <p:cSld>
     <p:spTree>
@@ -34853,7 +35100,7 @@
 </p:sld>
 </file>
 
-<file path=ppt/slides/slide32.xml><?xml version="1.0" encoding="utf-8"?>
+<file path=ppt/slides/slide34.xml><?xml version="1.0" encoding="utf-8"?>
 <p:sld xmlns:a="http://schemas.openxmlformats.org/drawingml/2006/main" xmlns:r="http://schemas.openxmlformats.org/officeDocument/2006/relationships" xmlns:p="http://schemas.openxmlformats.org/presentationml/2006/main">
   <p:cSld>
     <p:spTree>
@@ -35117,7 +35364,7 @@
 </p:sld>
 </file>
 
-<file path=ppt/slides/slide33.xml><?xml version="1.0" encoding="utf-8"?>
+<file path=ppt/slides/slide35.xml><?xml version="1.0" encoding="utf-8"?>
 <p:sld xmlns:a="http://schemas.openxmlformats.org/drawingml/2006/main" xmlns:r="http://schemas.openxmlformats.org/officeDocument/2006/relationships" xmlns:p="http://schemas.openxmlformats.org/presentationml/2006/main">
   <p:cSld>
     <p:spTree>
@@ -35381,7 +35628,7 @@
 </p:sld>
 </file>
 
-<file path=ppt/slides/slide34.xml><?xml version="1.0" encoding="utf-8"?>
+<file path=ppt/slides/slide36.xml><?xml version="1.0" encoding="utf-8"?>
 <p:sld xmlns:a="http://schemas.openxmlformats.org/drawingml/2006/main" xmlns:r="http://schemas.openxmlformats.org/officeDocument/2006/relationships" xmlns:p="http://schemas.openxmlformats.org/presentationml/2006/main">
   <p:cSld>
     <p:spTree>
@@ -35739,7 +35986,7 @@
           <a:graphicData uri="http://schemas.openxmlformats.org/presentationml/2006/ole">
             <mc:AlternateContent xmlns:mc="http://schemas.openxmlformats.org/markup-compatibility/2006">
               <mc:Choice xmlns:v="urn:schemas-microsoft-com:vml" Requires="v">
-                <p:oleObj spid="_x0000_s3083" name="Packager Shell Object" showAsIcon="1" r:id="rId6" imgW="667800" imgH="437760" progId="Package">
+                <p:oleObj spid="_x0000_s3085" name="Packager Shell Object" showAsIcon="1" r:id="rId6" imgW="667800" imgH="437760" progId="Package">
                   <p:embed/>
                 </p:oleObj>
               </mc:Choice>
@@ -35802,7 +36049,7 @@
 </p:sld>
 </file>
 
-<file path=ppt/slides/slide35.xml><?xml version="1.0" encoding="utf-8"?>
+<file path=ppt/slides/slide37.xml><?xml version="1.0" encoding="utf-8"?>
 <p:sld xmlns:a="http://schemas.openxmlformats.org/drawingml/2006/main" xmlns:r="http://schemas.openxmlformats.org/officeDocument/2006/relationships" xmlns:p="http://schemas.openxmlformats.org/presentationml/2006/main">
   <p:cSld>
     <p:spTree>
@@ -35935,7 +36182,7 @@
 </p:sld>
 </file>
 
-<file path=ppt/slides/slide36.xml><?xml version="1.0" encoding="utf-8"?>
+<file path=ppt/slides/slide38.xml><?xml version="1.0" encoding="utf-8"?>
 <p:sld xmlns:a="http://schemas.openxmlformats.org/drawingml/2006/main" xmlns:r="http://schemas.openxmlformats.org/officeDocument/2006/relationships" xmlns:p="http://schemas.openxmlformats.org/presentationml/2006/main">
   <p:cSld>
     <p:spTree>
@@ -36110,409 +36357,6 @@
     <p:extLst>
       <p:ext uri="{BB962C8B-B14F-4D97-AF65-F5344CB8AC3E}">
         <p14:creationId xmlns:p14="http://schemas.microsoft.com/office/powerpoint/2010/main" val="503829834"/>
-      </p:ext>
-    </p:extLst>
-  </p:cSld>
-  <p:clrMapOvr>
-    <a:masterClrMapping/>
-  </p:clrMapOvr>
-  <mc:AlternateContent xmlns:mc="http://schemas.openxmlformats.org/markup-compatibility/2006" xmlns:p14="http://schemas.microsoft.com/office/powerpoint/2010/main">
-    <mc:Choice Requires="p14">
-      <p:transition spd="med" p14:dur="700">
-        <p:fade/>
-      </p:transition>
-    </mc:Choice>
-    <mc:Fallback xmlns="">
-      <p:transition spd="med">
-        <p:fade/>
-      </p:transition>
-    </mc:Fallback>
-  </mc:AlternateContent>
-</p:sld>
-</file>
-
-<file path=ppt/slides/slide37.xml><?xml version="1.0" encoding="utf-8"?>
-<p:sld xmlns:a="http://schemas.openxmlformats.org/drawingml/2006/main" xmlns:r="http://schemas.openxmlformats.org/officeDocument/2006/relationships" xmlns:p="http://schemas.openxmlformats.org/presentationml/2006/main">
-  <p:cSld>
-    <p:spTree>
-      <p:nvGrpSpPr>
-        <p:cNvPr id="1" name=""/>
-        <p:cNvGrpSpPr/>
-        <p:nvPr/>
-      </p:nvGrpSpPr>
-      <p:grpSpPr>
-        <a:xfrm>
-          <a:off x="0" y="0"/>
-          <a:ext cx="0" cy="0"/>
-          <a:chOff x="0" y="0"/>
-          <a:chExt cx="0" cy="0"/>
-        </a:xfrm>
-      </p:grpSpPr>
-      <p:sp>
-        <p:nvSpPr>
-          <p:cNvPr id="8" name="Title 7"/>
-          <p:cNvSpPr>
-            <a:spLocks noGrp="1"/>
-          </p:cNvSpPr>
-          <p:nvPr>
-            <p:ph type="title"/>
-          </p:nvPr>
-        </p:nvSpPr>
-        <p:spPr/>
-        <p:txBody>
-          <a:bodyPr/>
-          <a:lstStyle/>
-          <a:p>
-            <a:r>
-              <a:rPr lang="en-US" dirty="0"/>
-              <a:t>Summary</a:t>
-            </a:r>
-          </a:p>
-        </p:txBody>
-      </p:sp>
-      <p:sp>
-        <p:nvSpPr>
-          <p:cNvPr id="9" name="Text Placeholder 8"/>
-          <p:cNvSpPr>
-            <a:spLocks noGrp="1"/>
-          </p:cNvSpPr>
-          <p:nvPr>
-            <p:ph type="body" sz="quarter" idx="13"/>
-          </p:nvPr>
-        </p:nvSpPr>
-        <p:spPr>
-          <a:xfrm>
-            <a:off x="381000" y="853372"/>
-            <a:ext cx="8382000" cy="3928177"/>
-          </a:xfrm>
-        </p:spPr>
-        <p:txBody>
-          <a:bodyPr>
-            <a:normAutofit fontScale="92500" lnSpcReduction="20000"/>
-          </a:bodyPr>
-          <a:lstStyle/>
-          <a:p>
-            <a:pPr marL="457200" indent="-457200">
-              <a:buBlip>
-                <a:blip r:embed="rId3"/>
-              </a:buBlip>
-            </a:pPr>
-            <a:r>
-              <a:rPr lang="en-US" sz="2400" dirty="0"/>
-              <a:t>There is a </a:t>
-            </a:r>
-            <a:r>
-              <a:rPr lang="en-US" sz="2400" i="1" dirty="0"/>
-              <a:t>finally</a:t>
-            </a:r>
-            <a:r>
-              <a:rPr lang="en-US" sz="2400" dirty="0"/>
-              <a:t> block which will be processed if an exception is caught by a </a:t>
-            </a:r>
-            <a:r>
-              <a:rPr lang="en-US" sz="2400" i="1" dirty="0"/>
-              <a:t>except</a:t>
-            </a:r>
-            <a:r>
-              <a:rPr lang="en-US" sz="2400" dirty="0"/>
-              <a:t> block or if there is no exception occurred inside </a:t>
-            </a:r>
-            <a:r>
-              <a:rPr lang="en-US" sz="2400" i="1" dirty="0"/>
-              <a:t>try</a:t>
-            </a:r>
-            <a:r>
-              <a:rPr lang="en-US" sz="2400" dirty="0"/>
-              <a:t> block.</a:t>
-            </a:r>
-          </a:p>
-          <a:p>
-            <a:pPr marL="457200" indent="-457200">
-              <a:buBlip>
-                <a:blip r:embed="rId3"/>
-              </a:buBlip>
-            </a:pPr>
-            <a:r>
-              <a:rPr lang="en-US" sz="2400" dirty="0"/>
-              <a:t>We can use </a:t>
-            </a:r>
-            <a:r>
-              <a:rPr lang="en-US" sz="2400" i="1" dirty="0"/>
-              <a:t>open(&lt;file&gt;, &lt;mode&gt;) </a:t>
-            </a:r>
-            <a:r>
-              <a:rPr lang="en-US" sz="2400" dirty="0"/>
-              <a:t>function to opens a file by creating a file-object with given mode.</a:t>
-            </a:r>
-          </a:p>
-          <a:p>
-            <a:pPr marL="457200" indent="-457200">
-              <a:buBlip>
-                <a:blip r:embed="rId3"/>
-              </a:buBlip>
-            </a:pPr>
-            <a:r>
-              <a:rPr lang="en-US" sz="2400" dirty="0"/>
-              <a:t>The </a:t>
-            </a:r>
-            <a:r>
-              <a:rPr lang="en-US" sz="2400" i="1" dirty="0"/>
-              <a:t>file object</a:t>
-            </a:r>
-            <a:r>
-              <a:rPr lang="en-US" sz="2400" dirty="0"/>
-              <a:t> can be used to read or write or close a file.</a:t>
-            </a:r>
-          </a:p>
-          <a:p>
-            <a:pPr marL="457200" indent="-457200">
-              <a:buBlip>
-                <a:blip r:embed="rId3"/>
-              </a:buBlip>
-            </a:pPr>
-            <a:r>
-              <a:rPr lang="en-US" sz="2400" dirty="0"/>
-              <a:t>We can build our regular expressions and that can be used to check whether the pattern is getting match with a given string.</a:t>
-            </a:r>
-          </a:p>
-          <a:p>
-            <a:pPr marL="457200" indent="-457200">
-              <a:buBlip>
-                <a:blip r:embed="rId3"/>
-              </a:buBlip>
-            </a:pPr>
-            <a:r>
-              <a:rPr lang="en-US" sz="2400" dirty="0"/>
-              <a:t>The </a:t>
-            </a:r>
-            <a:r>
-              <a:rPr lang="en-US" sz="2400" i="1" dirty="0"/>
-              <a:t>match() </a:t>
-            </a:r>
-            <a:r>
-              <a:rPr lang="en-US" sz="2400" dirty="0"/>
-              <a:t>&amp; </a:t>
-            </a:r>
-            <a:r>
-              <a:rPr lang="en-US" sz="2400" i="1" dirty="0"/>
-              <a:t>search() </a:t>
-            </a:r>
-            <a:r>
-              <a:rPr lang="en-US" sz="2400" dirty="0"/>
-              <a:t>function returns valid </a:t>
-            </a:r>
-            <a:r>
-              <a:rPr lang="en-US" sz="2400" i="1" dirty="0"/>
-              <a:t>regex</a:t>
-            </a:r>
-            <a:r>
-              <a:rPr lang="en-US" sz="2400" dirty="0"/>
-              <a:t> object if the pattern matches with the given string.</a:t>
-            </a:r>
-          </a:p>
-          <a:p>
-            <a:pPr marL="457200" indent="-457200">
-              <a:buBlip>
-                <a:blip r:embed="rId3"/>
-              </a:buBlip>
-            </a:pPr>
-            <a:r>
-              <a:rPr lang="en-US" sz="2400" dirty="0"/>
-              <a:t>The </a:t>
-            </a:r>
-            <a:r>
-              <a:rPr lang="en-US" sz="2400" i="1" dirty="0"/>
-              <a:t>groups() </a:t>
-            </a:r>
-            <a:r>
-              <a:rPr lang="en-US" sz="2400" dirty="0"/>
-              <a:t>&amp; </a:t>
-            </a:r>
-            <a:r>
-              <a:rPr lang="en-US" sz="2400" i="1" dirty="0"/>
-              <a:t>group(&lt;</a:t>
-            </a:r>
-            <a:r>
-              <a:rPr lang="en-US" sz="2400" i="1" dirty="0" err="1"/>
-              <a:t>num</a:t>
-            </a:r>
-            <a:r>
-              <a:rPr lang="en-US" sz="2400" i="1" dirty="0"/>
-              <a:t>&gt;)</a:t>
-            </a:r>
-            <a:r>
-              <a:rPr lang="en-US" sz="2400" dirty="0"/>
-              <a:t> function returns the all the groups or individual group respectively.</a:t>
-            </a:r>
-            <a:endParaRPr lang="en-US" sz="2400" i="1" dirty="0"/>
-          </a:p>
-          <a:p>
-            <a:pPr marL="457200" indent="-457200">
-              <a:buBlip>
-                <a:blip r:embed="rId3"/>
-              </a:buBlip>
-            </a:pPr>
-            <a:endParaRPr lang="en-US" sz="2400" dirty="0"/>
-          </a:p>
-        </p:txBody>
-      </p:sp>
-    </p:spTree>
-    <p:custDataLst>
-      <p:tags r:id="rId1"/>
-    </p:custDataLst>
-    <p:extLst>
-      <p:ext uri="{BB962C8B-B14F-4D97-AF65-F5344CB8AC3E}">
-        <p14:creationId xmlns:p14="http://schemas.microsoft.com/office/powerpoint/2010/main" val="2811020454"/>
-      </p:ext>
-    </p:extLst>
-  </p:cSld>
-  <p:clrMapOvr>
-    <a:masterClrMapping/>
-  </p:clrMapOvr>
-  <mc:AlternateContent xmlns:mc="http://schemas.openxmlformats.org/markup-compatibility/2006" xmlns:p14="http://schemas.microsoft.com/office/powerpoint/2010/main">
-    <mc:Choice Requires="p14">
-      <p:transition spd="med" p14:dur="700">
-        <p:fade/>
-      </p:transition>
-    </mc:Choice>
-    <mc:Fallback xmlns="">
-      <p:transition spd="med">
-        <p:fade/>
-      </p:transition>
-    </mc:Fallback>
-  </mc:AlternateContent>
-</p:sld>
-</file>
-
-<file path=ppt/slides/slide38.xml><?xml version="1.0" encoding="utf-8"?>
-<p:sld xmlns:a="http://schemas.openxmlformats.org/drawingml/2006/main" xmlns:r="http://schemas.openxmlformats.org/officeDocument/2006/relationships" xmlns:p="http://schemas.openxmlformats.org/presentationml/2006/main">
-  <p:cSld>
-    <p:spTree>
-      <p:nvGrpSpPr>
-        <p:cNvPr id="1" name=""/>
-        <p:cNvGrpSpPr/>
-        <p:nvPr/>
-      </p:nvGrpSpPr>
-      <p:grpSpPr>
-        <a:xfrm>
-          <a:off x="0" y="0"/>
-          <a:ext cx="0" cy="0"/>
-          <a:chOff x="0" y="0"/>
-          <a:chExt cx="0" cy="0"/>
-        </a:xfrm>
-      </p:grpSpPr>
-      <p:sp>
-        <p:nvSpPr>
-          <p:cNvPr id="4" name="Title 3"/>
-          <p:cNvSpPr>
-            <a:spLocks noGrp="1"/>
-          </p:cNvSpPr>
-          <p:nvPr>
-            <p:ph type="title"/>
-          </p:nvPr>
-        </p:nvSpPr>
-        <p:spPr/>
-        <p:txBody>
-          <a:bodyPr/>
-          <a:lstStyle/>
-          <a:p>
-            <a:r>
-              <a:rPr lang="en-US" dirty="0"/>
-              <a:t>Check on learning</a:t>
-            </a:r>
-          </a:p>
-        </p:txBody>
-      </p:sp>
-      <p:sp>
-        <p:nvSpPr>
-          <p:cNvPr id="5" name="Text Placeholder 4"/>
-          <p:cNvSpPr>
-            <a:spLocks noGrp="1"/>
-          </p:cNvSpPr>
-          <p:nvPr>
-            <p:ph type="body" sz="quarter" idx="13"/>
-          </p:nvPr>
-        </p:nvSpPr>
-        <p:spPr>
-          <a:xfrm>
-            <a:off x="380999" y="853372"/>
-            <a:ext cx="8382003" cy="3928177"/>
-          </a:xfrm>
-        </p:spPr>
-        <p:txBody>
-          <a:bodyPr>
-            <a:normAutofit fontScale="92500"/>
-          </a:bodyPr>
-          <a:lstStyle/>
-          <a:p>
-            <a:pPr marL="457200" indent="-457200" fontAlgn="base">
-              <a:buFont typeface="Wingdings 2" panose="05020102010507070707" pitchFamily="18" charset="2"/>
-              <a:buChar char="P"/>
-            </a:pPr>
-            <a:r>
-              <a:rPr lang="en-US" dirty="0"/>
-              <a:t>We learnt how to write functions in Python.</a:t>
-            </a:r>
-          </a:p>
-          <a:p>
-            <a:pPr marL="457200" indent="-457200" fontAlgn="base">
-              <a:buFont typeface="Wingdings 2" panose="05020102010507070707" pitchFamily="18" charset="2"/>
-              <a:buChar char="P"/>
-            </a:pPr>
-            <a:r>
-              <a:rPr lang="en-US" dirty="0"/>
-              <a:t>We also learnt what are modules &amp; packages.</a:t>
-            </a:r>
-          </a:p>
-          <a:p>
-            <a:pPr marL="457200" indent="-457200" fontAlgn="base">
-              <a:buFont typeface="Wingdings 2" panose="05020102010507070707" pitchFamily="18" charset="2"/>
-              <a:buChar char="P"/>
-            </a:pPr>
-            <a:r>
-              <a:rPr lang="en-US" dirty="0"/>
-              <a:t>We learnt how to design our own module &amp; packages and use them in other programs.</a:t>
-            </a:r>
-          </a:p>
-          <a:p>
-            <a:pPr marL="457200" indent="-457200" fontAlgn="base">
-              <a:buFont typeface="Wingdings 2" panose="05020102010507070707" pitchFamily="18" charset="2"/>
-              <a:buChar char="P"/>
-            </a:pPr>
-            <a:r>
-              <a:rPr lang="en-US" dirty="0"/>
-              <a:t>Now we can handle exceptions in Python program.</a:t>
-            </a:r>
-          </a:p>
-          <a:p>
-            <a:pPr marL="457200" indent="-457200" fontAlgn="base">
-              <a:buFont typeface="Wingdings 2" panose="05020102010507070707" pitchFamily="18" charset="2"/>
-              <a:buChar char="P"/>
-            </a:pPr>
-            <a:r>
-              <a:rPr lang="en-US" dirty="0"/>
-              <a:t>We can also work with files using Python.</a:t>
-            </a:r>
-          </a:p>
-          <a:p>
-            <a:pPr marL="457200" indent="-457200" fontAlgn="base">
-              <a:buFont typeface="Wingdings 2" panose="05020102010507070707" pitchFamily="18" charset="2"/>
-              <a:buChar char="P"/>
-            </a:pPr>
-            <a:r>
-              <a:rPr lang="en-US" dirty="0"/>
-              <a:t>We learnt how to use regular expressions in Python.</a:t>
-            </a:r>
-          </a:p>
-        </p:txBody>
-      </p:sp>
-    </p:spTree>
-    <p:custDataLst>
-      <p:tags r:id="rId1"/>
-    </p:custDataLst>
-    <p:extLst>
-      <p:ext uri="{BB962C8B-B14F-4D97-AF65-F5344CB8AC3E}">
-        <p14:creationId xmlns:p14="http://schemas.microsoft.com/office/powerpoint/2010/main" val="2175156965"/>
       </p:ext>
     </p:extLst>
   </p:cSld>
@@ -36553,7 +36397,7 @@
       </p:grpSpPr>
       <p:sp>
         <p:nvSpPr>
-          <p:cNvPr id="4" name="Title 3"/>
+          <p:cNvPr id="8" name="Title 7"/>
           <p:cNvSpPr>
             <a:spLocks noGrp="1"/>
           </p:cNvSpPr>
@@ -36568,14 +36412,14 @@
           <a:p>
             <a:r>
               <a:rPr lang="en-US" dirty="0"/>
-              <a:t>Links</a:t>
+              <a:t>Summary</a:t>
             </a:r>
           </a:p>
         </p:txBody>
       </p:sp>
       <p:sp>
         <p:nvSpPr>
-          <p:cNvPr id="5" name="Text Placeholder 4"/>
+          <p:cNvPr id="9" name="Text Placeholder 8"/>
           <p:cNvSpPr>
             <a:spLocks noGrp="1"/>
           </p:cNvSpPr>
@@ -36585,39 +36429,176 @@
         </p:nvSpPr>
         <p:spPr>
           <a:xfrm>
-            <a:off x="381000" y="819150"/>
-            <a:ext cx="8382003" cy="3928177"/>
+            <a:off x="381000" y="853372"/>
+            <a:ext cx="8382000" cy="3928177"/>
           </a:xfrm>
         </p:spPr>
         <p:txBody>
           <a:bodyPr>
-            <a:normAutofit/>
+            <a:normAutofit fontScale="92500" lnSpcReduction="20000"/>
           </a:bodyPr>
           <a:lstStyle/>
           <a:p>
-            <a:pPr marL="457200" indent="-457200" fontAlgn="base">
-              <a:buFont typeface="Wingdings" panose="05000000000000000000" pitchFamily="2" charset="2"/>
-              <a:buChar char=""/>
+            <a:pPr marL="457200" indent="-457200">
+              <a:buBlip>
+                <a:blip r:embed="rId3"/>
+              </a:buBlip>
             </a:pPr>
             <a:r>
-              <a:rPr lang="en-US" sz="2400" dirty="0">
-                <a:hlinkClick r:id="rId3"/>
-              </a:rPr>
-              <a:t>https://docs.python.org/3/tutorial/</a:t>
-            </a:r>
-            <a:endParaRPr lang="en-US" sz="2400" dirty="0"/>
+              <a:rPr lang="en-US" sz="2400" dirty="0"/>
+              <a:t>There is a </a:t>
+            </a:r>
+            <a:r>
+              <a:rPr lang="en-US" sz="2400" i="1" dirty="0"/>
+              <a:t>finally</a:t>
+            </a:r>
+            <a:r>
+              <a:rPr lang="en-US" sz="2400" dirty="0"/>
+              <a:t> block which will be processed if an exception is caught by a </a:t>
+            </a:r>
+            <a:r>
+              <a:rPr lang="en-US" sz="2400" i="1" dirty="0"/>
+              <a:t>except</a:t>
+            </a:r>
+            <a:r>
+              <a:rPr lang="en-US" sz="2400" dirty="0"/>
+              <a:t> block or if there is no exception occurred inside </a:t>
+            </a:r>
+            <a:r>
+              <a:rPr lang="en-US" sz="2400" i="1" dirty="0"/>
+              <a:t>try</a:t>
+            </a:r>
+            <a:r>
+              <a:rPr lang="en-US" sz="2400" dirty="0"/>
+              <a:t> block.</a:t>
+            </a:r>
           </a:p>
           <a:p>
-            <a:pPr marL="457200" indent="-457200" fontAlgn="base">
-              <a:buFont typeface="Wingdings" panose="05000000000000000000" pitchFamily="2" charset="2"/>
-              <a:buChar char=""/>
+            <a:pPr marL="457200" indent="-457200">
+              <a:buBlip>
+                <a:blip r:embed="rId3"/>
+              </a:buBlip>
             </a:pPr>
             <a:r>
-              <a:rPr lang="en-US" sz="2400" dirty="0">
-                <a:hlinkClick r:id="rId4"/>
-              </a:rPr>
-              <a:t>https://www.youtube.com/watch?v=rfscVS0vtbw</a:t>
-            </a:r>
+              <a:rPr lang="en-US" sz="2400" dirty="0"/>
+              <a:t>We can use </a:t>
+            </a:r>
+            <a:r>
+              <a:rPr lang="en-US" sz="2400" i="1" dirty="0"/>
+              <a:t>open(&lt;file&gt;, &lt;mode&gt;) </a:t>
+            </a:r>
+            <a:r>
+              <a:rPr lang="en-US" sz="2400" dirty="0"/>
+              <a:t>function to opens a file by creating a file-object with given mode.</a:t>
+            </a:r>
+          </a:p>
+          <a:p>
+            <a:pPr marL="457200" indent="-457200">
+              <a:buBlip>
+                <a:blip r:embed="rId3"/>
+              </a:buBlip>
+            </a:pPr>
+            <a:r>
+              <a:rPr lang="en-US" sz="2400" dirty="0"/>
+              <a:t>The </a:t>
+            </a:r>
+            <a:r>
+              <a:rPr lang="en-US" sz="2400" i="1" dirty="0"/>
+              <a:t>file object</a:t>
+            </a:r>
+            <a:r>
+              <a:rPr lang="en-US" sz="2400" dirty="0"/>
+              <a:t> can be used to read or write or close a file.</a:t>
+            </a:r>
+          </a:p>
+          <a:p>
+            <a:pPr marL="457200" indent="-457200">
+              <a:buBlip>
+                <a:blip r:embed="rId3"/>
+              </a:buBlip>
+            </a:pPr>
+            <a:r>
+              <a:rPr lang="en-US" sz="2400" dirty="0"/>
+              <a:t>We can build our regular expressions and that can be used to check whether the pattern is getting match with a given string.</a:t>
+            </a:r>
+          </a:p>
+          <a:p>
+            <a:pPr marL="457200" indent="-457200">
+              <a:buBlip>
+                <a:blip r:embed="rId3"/>
+              </a:buBlip>
+            </a:pPr>
+            <a:r>
+              <a:rPr lang="en-US" sz="2400" dirty="0"/>
+              <a:t>The </a:t>
+            </a:r>
+            <a:r>
+              <a:rPr lang="en-US" sz="2400" i="1" dirty="0"/>
+              <a:t>match() </a:t>
+            </a:r>
+            <a:r>
+              <a:rPr lang="en-US" sz="2400" dirty="0"/>
+              <a:t>&amp; </a:t>
+            </a:r>
+            <a:r>
+              <a:rPr lang="en-US" sz="2400" i="1" dirty="0"/>
+              <a:t>search() </a:t>
+            </a:r>
+            <a:r>
+              <a:rPr lang="en-US" sz="2400" dirty="0"/>
+              <a:t>function returns valid </a:t>
+            </a:r>
+            <a:r>
+              <a:rPr lang="en-US" sz="2400" i="1" dirty="0"/>
+              <a:t>regex</a:t>
+            </a:r>
+            <a:r>
+              <a:rPr lang="en-US" sz="2400" dirty="0"/>
+              <a:t> object if the pattern matches with the given string.</a:t>
+            </a:r>
+          </a:p>
+          <a:p>
+            <a:pPr marL="457200" indent="-457200">
+              <a:buBlip>
+                <a:blip r:embed="rId3"/>
+              </a:buBlip>
+            </a:pPr>
+            <a:r>
+              <a:rPr lang="en-US" sz="2400" dirty="0"/>
+              <a:t>The </a:t>
+            </a:r>
+            <a:r>
+              <a:rPr lang="en-US" sz="2400" i="1" dirty="0"/>
+              <a:t>groups() </a:t>
+            </a:r>
+            <a:r>
+              <a:rPr lang="en-US" sz="2400" dirty="0"/>
+              <a:t>&amp; </a:t>
+            </a:r>
+            <a:r>
+              <a:rPr lang="en-US" sz="2400" i="1" dirty="0"/>
+              <a:t>group(&lt;</a:t>
+            </a:r>
+            <a:r>
+              <a:rPr lang="en-US" sz="2400" i="1" dirty="0" err="1"/>
+              <a:t>num</a:t>
+            </a:r>
+            <a:r>
+              <a:rPr lang="en-US" sz="2400" i="1" dirty="0"/>
+              <a:t>&gt;)</a:t>
+            </a:r>
+            <a:r>
+              <a:rPr lang="en-US" sz="2400" dirty="0"/>
+              <a:t> function returns the all the groups or individual group respectively.</a:t>
+            </a:r>
+            <a:endParaRPr lang="en-US" sz="2400" i="1" dirty="0"/>
+          </a:p>
+          <a:p>
+            <a:pPr marL="457200" indent="-457200">
+              <a:buBlip>
+                <a:blip r:embed="rId3"/>
+              </a:buBlip>
+            </a:pPr>
             <a:endParaRPr lang="en-US" sz="2400" dirty="0"/>
           </a:p>
         </p:txBody>
@@ -36628,7 +36609,7 @@
     </p:custDataLst>
     <p:extLst>
       <p:ext uri="{BB962C8B-B14F-4D97-AF65-F5344CB8AC3E}">
-        <p14:creationId xmlns:p14="http://schemas.microsoft.com/office/powerpoint/2010/main" val="3896654094"/>
+        <p14:creationId xmlns:p14="http://schemas.microsoft.com/office/powerpoint/2010/main" val="2811020454"/>
       </p:ext>
     </p:extLst>
   </p:cSld>
@@ -36764,6 +36745,272 @@
 </file>
 
 <file path=ppt/slides/slide40.xml><?xml version="1.0" encoding="utf-8"?>
+<p:sld xmlns:a="http://schemas.openxmlformats.org/drawingml/2006/main" xmlns:r="http://schemas.openxmlformats.org/officeDocument/2006/relationships" xmlns:p="http://schemas.openxmlformats.org/presentationml/2006/main">
+  <p:cSld>
+    <p:spTree>
+      <p:nvGrpSpPr>
+        <p:cNvPr id="1" name=""/>
+        <p:cNvGrpSpPr/>
+        <p:nvPr/>
+      </p:nvGrpSpPr>
+      <p:grpSpPr>
+        <a:xfrm>
+          <a:off x="0" y="0"/>
+          <a:ext cx="0" cy="0"/>
+          <a:chOff x="0" y="0"/>
+          <a:chExt cx="0" cy="0"/>
+        </a:xfrm>
+      </p:grpSpPr>
+      <p:sp>
+        <p:nvSpPr>
+          <p:cNvPr id="4" name="Title 3"/>
+          <p:cNvSpPr>
+            <a:spLocks noGrp="1"/>
+          </p:cNvSpPr>
+          <p:nvPr>
+            <p:ph type="title"/>
+          </p:nvPr>
+        </p:nvSpPr>
+        <p:spPr/>
+        <p:txBody>
+          <a:bodyPr/>
+          <a:lstStyle/>
+          <a:p>
+            <a:r>
+              <a:rPr lang="en-US" dirty="0"/>
+              <a:t>Check on learning</a:t>
+            </a:r>
+          </a:p>
+        </p:txBody>
+      </p:sp>
+      <p:sp>
+        <p:nvSpPr>
+          <p:cNvPr id="5" name="Text Placeholder 4"/>
+          <p:cNvSpPr>
+            <a:spLocks noGrp="1"/>
+          </p:cNvSpPr>
+          <p:nvPr>
+            <p:ph type="body" sz="quarter" idx="13"/>
+          </p:nvPr>
+        </p:nvSpPr>
+        <p:spPr>
+          <a:xfrm>
+            <a:off x="380999" y="853372"/>
+            <a:ext cx="8382003" cy="3928177"/>
+          </a:xfrm>
+        </p:spPr>
+        <p:txBody>
+          <a:bodyPr>
+            <a:normAutofit fontScale="92500"/>
+          </a:bodyPr>
+          <a:lstStyle/>
+          <a:p>
+            <a:pPr marL="457200" indent="-457200" fontAlgn="base">
+              <a:buFont typeface="Wingdings 2" panose="05020102010507070707" pitchFamily="18" charset="2"/>
+              <a:buChar char="P"/>
+            </a:pPr>
+            <a:r>
+              <a:rPr lang="en-US" dirty="0"/>
+              <a:t>We learnt how to write functions in Python.</a:t>
+            </a:r>
+          </a:p>
+          <a:p>
+            <a:pPr marL="457200" indent="-457200" fontAlgn="base">
+              <a:buFont typeface="Wingdings 2" panose="05020102010507070707" pitchFamily="18" charset="2"/>
+              <a:buChar char="P"/>
+            </a:pPr>
+            <a:r>
+              <a:rPr lang="en-US" dirty="0"/>
+              <a:t>We also learnt what are modules &amp; packages.</a:t>
+            </a:r>
+          </a:p>
+          <a:p>
+            <a:pPr marL="457200" indent="-457200" fontAlgn="base">
+              <a:buFont typeface="Wingdings 2" panose="05020102010507070707" pitchFamily="18" charset="2"/>
+              <a:buChar char="P"/>
+            </a:pPr>
+            <a:r>
+              <a:rPr lang="en-US" dirty="0"/>
+              <a:t>We learnt how to design our own module &amp; packages and use them in other programs.</a:t>
+            </a:r>
+          </a:p>
+          <a:p>
+            <a:pPr marL="457200" indent="-457200" fontAlgn="base">
+              <a:buFont typeface="Wingdings 2" panose="05020102010507070707" pitchFamily="18" charset="2"/>
+              <a:buChar char="P"/>
+            </a:pPr>
+            <a:r>
+              <a:rPr lang="en-US" dirty="0"/>
+              <a:t>Now we can handle exceptions in Python program.</a:t>
+            </a:r>
+          </a:p>
+          <a:p>
+            <a:pPr marL="457200" indent="-457200" fontAlgn="base">
+              <a:buFont typeface="Wingdings 2" panose="05020102010507070707" pitchFamily="18" charset="2"/>
+              <a:buChar char="P"/>
+            </a:pPr>
+            <a:r>
+              <a:rPr lang="en-US" dirty="0"/>
+              <a:t>We can also work with files using Python.</a:t>
+            </a:r>
+          </a:p>
+          <a:p>
+            <a:pPr marL="457200" indent="-457200" fontAlgn="base">
+              <a:buFont typeface="Wingdings 2" panose="05020102010507070707" pitchFamily="18" charset="2"/>
+              <a:buChar char="P"/>
+            </a:pPr>
+            <a:r>
+              <a:rPr lang="en-US" dirty="0"/>
+              <a:t>We learnt how to use regular expressions in Python.</a:t>
+            </a:r>
+          </a:p>
+        </p:txBody>
+      </p:sp>
+    </p:spTree>
+    <p:custDataLst>
+      <p:tags r:id="rId1"/>
+    </p:custDataLst>
+    <p:extLst>
+      <p:ext uri="{BB962C8B-B14F-4D97-AF65-F5344CB8AC3E}">
+        <p14:creationId xmlns:p14="http://schemas.microsoft.com/office/powerpoint/2010/main" val="2175156965"/>
+      </p:ext>
+    </p:extLst>
+  </p:cSld>
+  <p:clrMapOvr>
+    <a:masterClrMapping/>
+  </p:clrMapOvr>
+  <mc:AlternateContent xmlns:mc="http://schemas.openxmlformats.org/markup-compatibility/2006" xmlns:p14="http://schemas.microsoft.com/office/powerpoint/2010/main">
+    <mc:Choice Requires="p14">
+      <p:transition spd="med" p14:dur="700">
+        <p:fade/>
+      </p:transition>
+    </mc:Choice>
+    <mc:Fallback xmlns="">
+      <p:transition spd="med">
+        <p:fade/>
+      </p:transition>
+    </mc:Fallback>
+  </mc:AlternateContent>
+</p:sld>
+</file>
+
+<file path=ppt/slides/slide41.xml><?xml version="1.0" encoding="utf-8"?>
+<p:sld xmlns:a="http://schemas.openxmlformats.org/drawingml/2006/main" xmlns:r="http://schemas.openxmlformats.org/officeDocument/2006/relationships" xmlns:p="http://schemas.openxmlformats.org/presentationml/2006/main">
+  <p:cSld>
+    <p:spTree>
+      <p:nvGrpSpPr>
+        <p:cNvPr id="1" name=""/>
+        <p:cNvGrpSpPr/>
+        <p:nvPr/>
+      </p:nvGrpSpPr>
+      <p:grpSpPr>
+        <a:xfrm>
+          <a:off x="0" y="0"/>
+          <a:ext cx="0" cy="0"/>
+          <a:chOff x="0" y="0"/>
+          <a:chExt cx="0" cy="0"/>
+        </a:xfrm>
+      </p:grpSpPr>
+      <p:sp>
+        <p:nvSpPr>
+          <p:cNvPr id="4" name="Title 3"/>
+          <p:cNvSpPr>
+            <a:spLocks noGrp="1"/>
+          </p:cNvSpPr>
+          <p:nvPr>
+            <p:ph type="title"/>
+          </p:nvPr>
+        </p:nvSpPr>
+        <p:spPr/>
+        <p:txBody>
+          <a:bodyPr/>
+          <a:lstStyle/>
+          <a:p>
+            <a:r>
+              <a:rPr lang="en-US" dirty="0"/>
+              <a:t>Links</a:t>
+            </a:r>
+          </a:p>
+        </p:txBody>
+      </p:sp>
+      <p:sp>
+        <p:nvSpPr>
+          <p:cNvPr id="5" name="Text Placeholder 4"/>
+          <p:cNvSpPr>
+            <a:spLocks noGrp="1"/>
+          </p:cNvSpPr>
+          <p:nvPr>
+            <p:ph type="body" sz="quarter" idx="13"/>
+          </p:nvPr>
+        </p:nvSpPr>
+        <p:spPr>
+          <a:xfrm>
+            <a:off x="381000" y="819150"/>
+            <a:ext cx="8382003" cy="3928177"/>
+          </a:xfrm>
+        </p:spPr>
+        <p:txBody>
+          <a:bodyPr>
+            <a:normAutofit/>
+          </a:bodyPr>
+          <a:lstStyle/>
+          <a:p>
+            <a:pPr marL="457200" indent="-457200" fontAlgn="base">
+              <a:buFont typeface="Wingdings" panose="05000000000000000000" pitchFamily="2" charset="2"/>
+              <a:buChar char=""/>
+            </a:pPr>
+            <a:r>
+              <a:rPr lang="en-US" sz="2400" dirty="0">
+                <a:hlinkClick r:id="rId3"/>
+              </a:rPr>
+              <a:t>https://docs.python.org/3/tutorial/</a:t>
+            </a:r>
+            <a:endParaRPr lang="en-US" sz="2400" dirty="0"/>
+          </a:p>
+          <a:p>
+            <a:pPr marL="457200" indent="-457200" fontAlgn="base">
+              <a:buFont typeface="Wingdings" panose="05000000000000000000" pitchFamily="2" charset="2"/>
+              <a:buChar char=""/>
+            </a:pPr>
+            <a:r>
+              <a:rPr lang="en-US" sz="2400" dirty="0">
+                <a:hlinkClick r:id="rId4"/>
+              </a:rPr>
+              <a:t>https://www.youtube.com/watch?v=rfscVS0vtbw</a:t>
+            </a:r>
+            <a:endParaRPr lang="en-US" sz="2400" dirty="0"/>
+          </a:p>
+        </p:txBody>
+      </p:sp>
+    </p:spTree>
+    <p:custDataLst>
+      <p:tags r:id="rId1"/>
+    </p:custDataLst>
+    <p:extLst>
+      <p:ext uri="{BB962C8B-B14F-4D97-AF65-F5344CB8AC3E}">
+        <p14:creationId xmlns:p14="http://schemas.microsoft.com/office/powerpoint/2010/main" val="3896654094"/>
+      </p:ext>
+    </p:extLst>
+  </p:cSld>
+  <p:clrMapOvr>
+    <a:masterClrMapping/>
+  </p:clrMapOvr>
+  <mc:AlternateContent xmlns:mc="http://schemas.openxmlformats.org/markup-compatibility/2006" xmlns:p14="http://schemas.microsoft.com/office/powerpoint/2010/main">
+    <mc:Choice Requires="p14">
+      <p:transition spd="med" p14:dur="700">
+        <p:fade/>
+      </p:transition>
+    </mc:Choice>
+    <mc:Fallback xmlns="">
+      <p:transition spd="med">
+        <p:fade/>
+      </p:transition>
+    </mc:Fallback>
+  </mc:AlternateContent>
+</p:sld>
+</file>
+
+<file path=ppt/slides/slide42.xml><?xml version="1.0" encoding="utf-8"?>
 <p:sld xmlns:a="http://schemas.openxmlformats.org/drawingml/2006/main" xmlns:r="http://schemas.openxmlformats.org/officeDocument/2006/relationships" xmlns:p="http://schemas.openxmlformats.org/presentationml/2006/main">
   <p:cSld>
     <p:spTree>
@@ -36928,7 +37175,7 @@
 </p:sld>
 </file>
 
-<file path=ppt/slides/slide41.xml><?xml version="1.0" encoding="utf-8"?>
+<file path=ppt/slides/slide43.xml><?xml version="1.0" encoding="utf-8"?>
 <p:sld xmlns:a="http://schemas.openxmlformats.org/drawingml/2006/main" xmlns:r="http://schemas.openxmlformats.org/officeDocument/2006/relationships" xmlns:p="http://schemas.openxmlformats.org/presentationml/2006/main">
   <p:cSld>
     <p:spTree>

--- a/cts_python_practitioner_day2_v1_2019.pptx
+++ b/cts_python_practitioner_day2_v1_2019.pptx
@@ -5,7 +5,7 @@
     <p:sldMasterId id="2147483660" r:id="rId1"/>
   </p:sldMasterIdLst>
   <p:notesMasterIdLst>
-    <p:notesMasterId r:id="rId45"/>
+    <p:notesMasterId r:id="rId46"/>
   </p:notesMasterIdLst>
   <p:sldIdLst>
     <p:sldId id="272" r:id="rId2"/>
@@ -30,32 +30,33 @@
     <p:sldId id="278" r:id="rId21"/>
     <p:sldId id="340" r:id="rId22"/>
     <p:sldId id="341" r:id="rId23"/>
-    <p:sldId id="323" r:id="rId24"/>
-    <p:sldId id="342" r:id="rId25"/>
-    <p:sldId id="352" r:id="rId26"/>
-    <p:sldId id="343" r:id="rId27"/>
-    <p:sldId id="344" r:id="rId28"/>
-    <p:sldId id="348" r:id="rId29"/>
-    <p:sldId id="347" r:id="rId30"/>
-    <p:sldId id="328" r:id="rId31"/>
-    <p:sldId id="345" r:id="rId32"/>
-    <p:sldId id="346" r:id="rId33"/>
-    <p:sldId id="349" r:id="rId34"/>
-    <p:sldId id="350" r:id="rId35"/>
-    <p:sldId id="351" r:id="rId36"/>
-    <p:sldId id="353" r:id="rId37"/>
-    <p:sldId id="264" r:id="rId38"/>
-    <p:sldId id="271" r:id="rId39"/>
-    <p:sldId id="331" r:id="rId40"/>
-    <p:sldId id="266" r:id="rId41"/>
-    <p:sldId id="354" r:id="rId42"/>
-    <p:sldId id="267" r:id="rId43"/>
-    <p:sldId id="268" r:id="rId44"/>
+    <p:sldId id="357" r:id="rId24"/>
+    <p:sldId id="358" r:id="rId25"/>
+    <p:sldId id="323" r:id="rId26"/>
+    <p:sldId id="342" r:id="rId27"/>
+    <p:sldId id="352" r:id="rId28"/>
+    <p:sldId id="343" r:id="rId29"/>
+    <p:sldId id="344" r:id="rId30"/>
+    <p:sldId id="348" r:id="rId31"/>
+    <p:sldId id="347" r:id="rId32"/>
+    <p:sldId id="328" r:id="rId33"/>
+    <p:sldId id="345" r:id="rId34"/>
+    <p:sldId id="346" r:id="rId35"/>
+    <p:sldId id="349" r:id="rId36"/>
+    <p:sldId id="350" r:id="rId37"/>
+    <p:sldId id="351" r:id="rId38"/>
+    <p:sldId id="353" r:id="rId39"/>
+    <p:sldId id="271" r:id="rId40"/>
+    <p:sldId id="331" r:id="rId41"/>
+    <p:sldId id="266" r:id="rId42"/>
+    <p:sldId id="354" r:id="rId43"/>
+    <p:sldId id="267" r:id="rId44"/>
+    <p:sldId id="268" r:id="rId45"/>
   </p:sldIdLst>
   <p:sldSz cx="9144000" cy="5143500" type="screen16x9"/>
   <p:notesSz cx="6858000" cy="9144000"/>
   <p:custDataLst>
-    <p:tags r:id="rId46"/>
+    <p:tags r:id="rId47"/>
   </p:custDataLst>
   <p:defaultTextStyle>
     <a:defPPr>
@@ -28973,7 +28974,7 @@
           <a:graphicData uri="http://schemas.openxmlformats.org/presentationml/2006/ole">
             <mc:AlternateContent xmlns:mc="http://schemas.openxmlformats.org/markup-compatibility/2006">
               <mc:Choice xmlns:v="urn:schemas-microsoft-com:vml" Requires="v">
-                <p:oleObj spid="_x0000_s1052" name="Packager Shell Object" showAsIcon="1" r:id="rId6" imgW="740880" imgH="437760" progId="Package">
+                <p:oleObj spid="_x0000_s1056" name="Packager Shell Object" showAsIcon="1" r:id="rId6" imgW="740880" imgH="437760" progId="Package">
                   <p:embed/>
                 </p:oleObj>
               </mc:Choice>
@@ -29030,7 +29031,7 @@
           <a:graphicData uri="http://schemas.openxmlformats.org/presentationml/2006/ole">
             <mc:AlternateContent xmlns:mc="http://schemas.openxmlformats.org/markup-compatibility/2006">
               <mc:Choice xmlns:v="urn:schemas-microsoft-com:vml" Requires="v">
-                <p:oleObj spid="_x0000_s1053" name="Packager Shell Object" showAsIcon="1" r:id="rId8" imgW="366480" imgH="437760" progId="Package">
+                <p:oleObj spid="_x0000_s1057" name="Packager Shell Object" showAsIcon="1" r:id="rId8" imgW="366480" imgH="437760" progId="Package">
                   <p:embed/>
                 </p:oleObj>
               </mc:Choice>
@@ -29375,7 +29376,7 @@
             </a:pPr>
             <a:r>
               <a:rPr lang="en-US" dirty="0"/>
-              <a:t>A variable for pi (any precision is fine)</a:t>
+              <a:t>A constant for pi (any precision is fine)</a:t>
             </a:r>
           </a:p>
           <a:p>
@@ -30567,7 +30568,7 @@
           <a:graphicData uri="http://schemas.openxmlformats.org/presentationml/2006/ole">
             <mc:AlternateContent xmlns:mc="http://schemas.openxmlformats.org/markup-compatibility/2006">
               <mc:Choice xmlns:v="urn:schemas-microsoft-com:vml" Requires="v">
-                <p:oleObj spid="_x0000_s2062" name="Packager Shell Object" showAsIcon="1" r:id="rId6" imgW="879480" imgH="437760" progId="Package">
+                <p:oleObj spid="_x0000_s2064" name="Packager Shell Object" showAsIcon="1" r:id="rId6" imgW="879480" imgH="437760" progId="Package">
                   <p:embed/>
                 </p:oleObj>
               </mc:Choice>
@@ -30649,6 +30650,244 @@
       </p:grpSpPr>
       <p:sp>
         <p:nvSpPr>
+          <p:cNvPr id="2" name="Title 1">
+            <a:extLst>
+              <a:ext uri="{FF2B5EF4-FFF2-40B4-BE49-F238E27FC236}">
+                <a16:creationId xmlns:a16="http://schemas.microsoft.com/office/drawing/2014/main" id="{CE5FB854-1036-114E-A088-5B39E2D6C2B3}"/>
+              </a:ext>
+            </a:extLst>
+          </p:cNvPr>
+          <p:cNvSpPr>
+            <a:spLocks noGrp="1"/>
+          </p:cNvSpPr>
+          <p:nvPr>
+            <p:ph type="title"/>
+          </p:nvPr>
+        </p:nvSpPr>
+        <p:spPr/>
+        <p:txBody>
+          <a:bodyPr/>
+          <a:lstStyle/>
+          <a:p>
+            <a:r>
+              <a:rPr lang="en-US" dirty="0"/>
+              <a:t>Exception Handling</a:t>
+            </a:r>
+          </a:p>
+        </p:txBody>
+      </p:sp>
+      <p:sp>
+        <p:nvSpPr>
+          <p:cNvPr id="3" name="Text Placeholder 2">
+            <a:extLst>
+              <a:ext uri="{FF2B5EF4-FFF2-40B4-BE49-F238E27FC236}">
+                <a16:creationId xmlns:a16="http://schemas.microsoft.com/office/drawing/2014/main" id="{78DCE6C9-5CD6-A448-A7DE-B68C1F551BB0}"/>
+              </a:ext>
+            </a:extLst>
+          </p:cNvPr>
+          <p:cNvSpPr>
+            <a:spLocks noGrp="1"/>
+          </p:cNvSpPr>
+          <p:nvPr>
+            <p:ph type="body" sz="quarter" idx="13"/>
+          </p:nvPr>
+        </p:nvSpPr>
+        <p:spPr/>
+        <p:txBody>
+          <a:bodyPr/>
+          <a:lstStyle/>
+          <a:p>
+            <a:r>
+              <a:rPr lang="en-US" dirty="0"/>
+              <a:t>If you’re writing a function and wish to create an exception, you do so with the </a:t>
+            </a:r>
+            <a:r>
+              <a:rPr lang="en-US" dirty="0">
+                <a:solidFill>
+                  <a:schemeClr val="tx1"/>
+                </a:solidFill>
+              </a:rPr>
+              <a:t>raise</a:t>
+            </a:r>
+            <a:r>
+              <a:rPr lang="en-US" dirty="0">
+                <a:solidFill>
+                  <a:schemeClr val="bg1"/>
+                </a:solidFill>
+              </a:rPr>
+              <a:t> keyword.</a:t>
+            </a:r>
+          </a:p>
+          <a:p>
+            <a:endParaRPr lang="en-US" dirty="0">
+              <a:solidFill>
+                <a:schemeClr val="bg1"/>
+              </a:solidFill>
+            </a:endParaRPr>
+          </a:p>
+          <a:p>
+            <a:r>
+              <a:rPr lang="en-US" sz="2400" dirty="0">
+                <a:solidFill>
+                  <a:schemeClr val="bg1"/>
+                </a:solidFill>
+                <a:latin typeface="Courier New" panose="02070309020205020404" pitchFamily="49" charset="0"/>
+                <a:cs typeface="Courier New" panose="02070309020205020404" pitchFamily="49" charset="0"/>
+              </a:rPr>
+              <a:t>if denominator == 0:</a:t>
+            </a:r>
+          </a:p>
+          <a:p>
+            <a:r>
+              <a:rPr lang="en-US" sz="2400" dirty="0">
+                <a:solidFill>
+                  <a:schemeClr val="bg1"/>
+                </a:solidFill>
+                <a:latin typeface="Courier New" panose="02070309020205020404" pitchFamily="49" charset="0"/>
+                <a:cs typeface="Courier New" panose="02070309020205020404" pitchFamily="49" charset="0"/>
+              </a:rPr>
+              <a:t>	raise Exception("cannot divide by zero”)</a:t>
+            </a:r>
+          </a:p>
+          <a:p>
+            <a:endParaRPr lang="en-US" sz="2000" dirty="0">
+              <a:cs typeface="Courier New" panose="02070309020205020404" pitchFamily="49" charset="0"/>
+            </a:endParaRPr>
+          </a:p>
+          <a:p>
+            <a:r>
+              <a:rPr lang="en-US" sz="2000" dirty="0">
+                <a:cs typeface="Courier New" panose="02070309020205020404" pitchFamily="49" charset="0"/>
+              </a:rPr>
+              <a:t>*We would want a more specific exception here.  We’ll look at custom exceptions later.</a:t>
+            </a:r>
+          </a:p>
+        </p:txBody>
+      </p:sp>
+    </p:spTree>
+    <p:extLst>
+      <p:ext uri="{BB962C8B-B14F-4D97-AF65-F5344CB8AC3E}">
+        <p14:creationId xmlns:p14="http://schemas.microsoft.com/office/powerpoint/2010/main" val="1395357936"/>
+      </p:ext>
+    </p:extLst>
+  </p:cSld>
+  <p:clrMapOvr>
+    <a:masterClrMapping/>
+  </p:clrMapOvr>
+</p:sld>
+</file>
+
+<file path=ppt/slides/slide24.xml><?xml version="1.0" encoding="utf-8"?>
+<p:sld xmlns:a="http://schemas.openxmlformats.org/drawingml/2006/main" xmlns:r="http://schemas.openxmlformats.org/officeDocument/2006/relationships" xmlns:p="http://schemas.openxmlformats.org/presentationml/2006/main">
+  <p:cSld>
+    <p:spTree>
+      <p:nvGrpSpPr>
+        <p:cNvPr id="1" name=""/>
+        <p:cNvGrpSpPr/>
+        <p:nvPr/>
+      </p:nvGrpSpPr>
+      <p:grpSpPr>
+        <a:xfrm>
+          <a:off x="0" y="0"/>
+          <a:ext cx="0" cy="0"/>
+          <a:chOff x="0" y="0"/>
+          <a:chExt cx="0" cy="0"/>
+        </a:xfrm>
+      </p:grpSpPr>
+      <p:sp>
+        <p:nvSpPr>
+          <p:cNvPr id="2" name="Title 1">
+            <a:extLst>
+              <a:ext uri="{FF2B5EF4-FFF2-40B4-BE49-F238E27FC236}">
+                <a16:creationId xmlns:a16="http://schemas.microsoft.com/office/drawing/2014/main" id="{BC88AAB7-D180-4644-931C-AD264B1368D1}"/>
+              </a:ext>
+            </a:extLst>
+          </p:cNvPr>
+          <p:cNvSpPr>
+            <a:spLocks noGrp="1"/>
+          </p:cNvSpPr>
+          <p:nvPr>
+            <p:ph type="title"/>
+          </p:nvPr>
+        </p:nvSpPr>
+        <p:spPr/>
+        <p:txBody>
+          <a:bodyPr/>
+          <a:lstStyle/>
+          <a:p>
+            <a:r>
+              <a:rPr lang="en-US" dirty="0"/>
+              <a:t>Challenge</a:t>
+            </a:r>
+          </a:p>
+        </p:txBody>
+      </p:sp>
+      <p:sp>
+        <p:nvSpPr>
+          <p:cNvPr id="3" name="Text Placeholder 2">
+            <a:extLst>
+              <a:ext uri="{FF2B5EF4-FFF2-40B4-BE49-F238E27FC236}">
+                <a16:creationId xmlns:a16="http://schemas.microsoft.com/office/drawing/2014/main" id="{2F0AA733-1A31-F545-996B-273A324D9F0A}"/>
+              </a:ext>
+            </a:extLst>
+          </p:cNvPr>
+          <p:cNvSpPr>
+            <a:spLocks noGrp="1"/>
+          </p:cNvSpPr>
+          <p:nvPr>
+            <p:ph type="body" sz="quarter" idx="13"/>
+          </p:nvPr>
+        </p:nvSpPr>
+        <p:spPr/>
+        <p:txBody>
+          <a:bodyPr/>
+          <a:lstStyle/>
+          <a:p>
+            <a:r>
+              <a:rPr lang="en-US" dirty="0"/>
+              <a:t>Modify one of your functions from the previous challenge to raise an exception if any argument is negative. </a:t>
+            </a:r>
+          </a:p>
+          <a:p>
+            <a:r>
+              <a:rPr lang="en-US" dirty="0"/>
+              <a:t>Add a try-except to your script that calls the function with a negative argument and outputs an error message.</a:t>
+            </a:r>
+          </a:p>
+        </p:txBody>
+      </p:sp>
+    </p:spTree>
+    <p:extLst>
+      <p:ext uri="{BB962C8B-B14F-4D97-AF65-F5344CB8AC3E}">
+        <p14:creationId xmlns:p14="http://schemas.microsoft.com/office/powerpoint/2010/main" val="3262417526"/>
+      </p:ext>
+    </p:extLst>
+  </p:cSld>
+  <p:clrMapOvr>
+    <a:masterClrMapping/>
+  </p:clrMapOvr>
+</p:sld>
+</file>
+
+<file path=ppt/slides/slide25.xml><?xml version="1.0" encoding="utf-8"?>
+<p:sld xmlns:a="http://schemas.openxmlformats.org/drawingml/2006/main" xmlns:r="http://schemas.openxmlformats.org/officeDocument/2006/relationships" xmlns:p="http://schemas.openxmlformats.org/presentationml/2006/main">
+  <p:cSld>
+    <p:spTree>
+      <p:nvGrpSpPr>
+        <p:cNvPr id="1" name=""/>
+        <p:cNvGrpSpPr/>
+        <p:nvPr/>
+      </p:nvGrpSpPr>
+      <p:grpSpPr>
+        <a:xfrm>
+          <a:off x="0" y="0"/>
+          <a:ext cx="0" cy="0"/>
+          <a:chOff x="0" y="0"/>
+          <a:chExt cx="0" cy="0"/>
+        </a:xfrm>
+      </p:grpSpPr>
+      <p:sp>
+        <p:nvSpPr>
           <p:cNvPr id="2" name="Text Placeholder 1"/>
           <p:cNvSpPr>
             <a:spLocks noGrp="1"/>
@@ -30702,7 +30941,7 @@
 </p:sld>
 </file>
 
-<file path=ppt/slides/slide24.xml><?xml version="1.0" encoding="utf-8"?>
+<file path=ppt/slides/slide26.xml><?xml version="1.0" encoding="utf-8"?>
 <p:sld xmlns:a="http://schemas.openxmlformats.org/drawingml/2006/main" xmlns:r="http://schemas.openxmlformats.org/officeDocument/2006/relationships" xmlns:p="http://schemas.openxmlformats.org/presentationml/2006/main">
   <p:cSld>
     <p:spTree>
@@ -30935,7 +31174,7 @@
 </p:sld>
 </file>
 
-<file path=ppt/slides/slide25.xml><?xml version="1.0" encoding="utf-8"?>
+<file path=ppt/slides/slide27.xml><?xml version="1.0" encoding="utf-8"?>
 <p:sld xmlns:a="http://schemas.openxmlformats.org/drawingml/2006/main" xmlns:r="http://schemas.openxmlformats.org/officeDocument/2006/relationships" xmlns:p="http://schemas.openxmlformats.org/presentationml/2006/main">
   <p:cSld>
     <p:spTree>
@@ -31636,7 +31875,7 @@
 </p:sld>
 </file>
 
-<file path=ppt/slides/slide26.xml><?xml version="1.0" encoding="utf-8"?>
+<file path=ppt/slides/slide28.xml><?xml version="1.0" encoding="utf-8"?>
 <p:sld xmlns:a="http://schemas.openxmlformats.org/drawingml/2006/main" xmlns:r="http://schemas.openxmlformats.org/officeDocument/2006/relationships" xmlns:p="http://schemas.openxmlformats.org/presentationml/2006/main">
   <p:cSld>
     <p:spTree>
@@ -32173,7 +32412,7 @@
 </p:sld>
 </file>
 
-<file path=ppt/slides/slide27.xml><?xml version="1.0" encoding="utf-8"?>
+<file path=ppt/slides/slide29.xml><?xml version="1.0" encoding="utf-8"?>
 <p:sld xmlns:a="http://schemas.openxmlformats.org/drawingml/2006/main" xmlns:r="http://schemas.openxmlformats.org/officeDocument/2006/relationships" xmlns:p="http://schemas.openxmlformats.org/presentationml/2006/main">
   <p:cSld>
     <p:spTree>
@@ -32645,7 +32884,163 @@
 </p:sld>
 </file>
 
-<file path=ppt/slides/slide28.xml><?xml version="1.0" encoding="utf-8"?>
+<file path=ppt/slides/slide3.xml><?xml version="1.0" encoding="utf-8"?>
+<p:sld xmlns:a="http://schemas.openxmlformats.org/drawingml/2006/main" xmlns:r="http://schemas.openxmlformats.org/officeDocument/2006/relationships" xmlns:p="http://schemas.openxmlformats.org/presentationml/2006/main">
+  <p:cSld>
+    <p:spTree>
+      <p:nvGrpSpPr>
+        <p:cNvPr id="1" name=""/>
+        <p:cNvGrpSpPr/>
+        <p:nvPr/>
+      </p:nvGrpSpPr>
+      <p:grpSpPr>
+        <a:xfrm>
+          <a:off x="0" y="0"/>
+          <a:ext cx="0" cy="0"/>
+          <a:chOff x="0" y="0"/>
+          <a:chExt cx="0" cy="0"/>
+        </a:xfrm>
+      </p:grpSpPr>
+      <p:sp>
+        <p:nvSpPr>
+          <p:cNvPr id="4" name="Title 3"/>
+          <p:cNvSpPr>
+            <a:spLocks noGrp="1"/>
+          </p:cNvSpPr>
+          <p:nvPr>
+            <p:ph type="title"/>
+          </p:nvPr>
+        </p:nvSpPr>
+        <p:spPr/>
+        <p:txBody>
+          <a:bodyPr/>
+          <a:lstStyle/>
+          <a:p>
+            <a:r>
+              <a:rPr lang="en-US" dirty="0"/>
+              <a:t>Terminal Objectives</a:t>
+            </a:r>
+          </a:p>
+        </p:txBody>
+      </p:sp>
+      <p:sp>
+        <p:nvSpPr>
+          <p:cNvPr id="5" name="Text Placeholder 4"/>
+          <p:cNvSpPr>
+            <a:spLocks noGrp="1"/>
+          </p:cNvSpPr>
+          <p:nvPr>
+            <p:ph type="body" sz="quarter" idx="13"/>
+          </p:nvPr>
+        </p:nvSpPr>
+        <p:spPr>
+          <a:xfrm>
+            <a:off x="381000" y="853372"/>
+            <a:ext cx="8382000" cy="4004377"/>
+          </a:xfrm>
+        </p:spPr>
+        <p:txBody>
+          <a:bodyPr>
+            <a:normAutofit/>
+          </a:bodyPr>
+          <a:lstStyle/>
+          <a:p>
+            <a:pPr marL="457200" indent="-457200" fontAlgn="base">
+              <a:buBlip>
+                <a:blip r:embed="rId3"/>
+              </a:buBlip>
+            </a:pPr>
+            <a:r>
+              <a:rPr lang="en-US" sz="2600" dirty="0"/>
+              <a:t>To learn how to write functions.</a:t>
+            </a:r>
+          </a:p>
+          <a:p>
+            <a:pPr marL="457200" indent="-457200" fontAlgn="base">
+              <a:buBlip>
+                <a:blip r:embed="rId3"/>
+              </a:buBlip>
+            </a:pPr>
+            <a:r>
+              <a:rPr lang="en-US" sz="2600" dirty="0"/>
+              <a:t>To know what are the modules &amp; packages.</a:t>
+            </a:r>
+          </a:p>
+          <a:p>
+            <a:pPr marL="457200" indent="-457200" fontAlgn="base">
+              <a:buBlip>
+                <a:blip r:embed="rId3"/>
+              </a:buBlip>
+            </a:pPr>
+            <a:r>
+              <a:rPr lang="en-US" sz="2600" dirty="0"/>
+              <a:t>To learn how to design your own module and use it.</a:t>
+            </a:r>
+          </a:p>
+          <a:p>
+            <a:pPr marL="457200" indent="-457200" fontAlgn="base">
+              <a:buBlip>
+                <a:blip r:embed="rId3"/>
+              </a:buBlip>
+            </a:pPr>
+            <a:r>
+              <a:rPr lang="en-US" sz="2600" dirty="0"/>
+              <a:t>To learn how to handle exceptions in program.</a:t>
+            </a:r>
+          </a:p>
+          <a:p>
+            <a:pPr marL="457200" indent="-457200" fontAlgn="base">
+              <a:buBlip>
+                <a:blip r:embed="rId3"/>
+              </a:buBlip>
+            </a:pPr>
+            <a:r>
+              <a:rPr lang="en-US" sz="2600" dirty="0"/>
+              <a:t>To learn how files can be handled using Python.</a:t>
+            </a:r>
+          </a:p>
+          <a:p>
+            <a:pPr marL="457200" indent="-457200" fontAlgn="base">
+              <a:buBlip>
+                <a:blip r:embed="rId3"/>
+              </a:buBlip>
+            </a:pPr>
+            <a:r>
+              <a:rPr lang="en-US" sz="2600" dirty="0"/>
+              <a:t>To learn how to use regular expressions in Python.</a:t>
+            </a:r>
+          </a:p>
+        </p:txBody>
+      </p:sp>
+    </p:spTree>
+    <p:custDataLst>
+      <p:tags r:id="rId1"/>
+    </p:custDataLst>
+    <p:extLst>
+      <p:ext uri="{BB962C8B-B14F-4D97-AF65-F5344CB8AC3E}">
+        <p14:creationId xmlns:p14="http://schemas.microsoft.com/office/powerpoint/2010/main" val="2632047257"/>
+      </p:ext>
+    </p:extLst>
+  </p:cSld>
+  <p:clrMapOvr>
+    <a:masterClrMapping/>
+  </p:clrMapOvr>
+  <mc:AlternateContent xmlns:mc="http://schemas.openxmlformats.org/markup-compatibility/2006" xmlns:p14="http://schemas.microsoft.com/office/powerpoint/2010/main">
+    <mc:Choice Requires="p14">
+      <p:transition spd="med" p14:dur="700">
+        <p:fade/>
+      </p:transition>
+    </mc:Choice>
+    <mc:Fallback xmlns="">
+      <p:transition spd="med">
+        <p:fade/>
+      </p:transition>
+    </mc:Fallback>
+  </mc:AlternateContent>
+</p:sld>
+</file>
+
+<file path=ppt/slides/slide30.xml><?xml version="1.0" encoding="utf-8"?>
 <p:sld xmlns:a="http://schemas.openxmlformats.org/drawingml/2006/main" xmlns:r="http://schemas.openxmlformats.org/officeDocument/2006/relationships" xmlns:p="http://schemas.openxmlformats.org/presentationml/2006/main">
   <p:cSld>
     <p:spTree>
@@ -33117,7 +33512,7 @@
 </p:sld>
 </file>
 
-<file path=ppt/slides/slide29.xml><?xml version="1.0" encoding="utf-8"?>
+<file path=ppt/slides/slide31.xml><?xml version="1.0" encoding="utf-8"?>
 <p:sld xmlns:a="http://schemas.openxmlformats.org/drawingml/2006/main" xmlns:r="http://schemas.openxmlformats.org/officeDocument/2006/relationships" xmlns:p="http://schemas.openxmlformats.org/presentationml/2006/main">
   <p:cSld>
     <p:spTree>
@@ -33518,163 +33913,7 @@
 </p:sld>
 </file>
 
-<file path=ppt/slides/slide3.xml><?xml version="1.0" encoding="utf-8"?>
-<p:sld xmlns:a="http://schemas.openxmlformats.org/drawingml/2006/main" xmlns:r="http://schemas.openxmlformats.org/officeDocument/2006/relationships" xmlns:p="http://schemas.openxmlformats.org/presentationml/2006/main">
-  <p:cSld>
-    <p:spTree>
-      <p:nvGrpSpPr>
-        <p:cNvPr id="1" name=""/>
-        <p:cNvGrpSpPr/>
-        <p:nvPr/>
-      </p:nvGrpSpPr>
-      <p:grpSpPr>
-        <a:xfrm>
-          <a:off x="0" y="0"/>
-          <a:ext cx="0" cy="0"/>
-          <a:chOff x="0" y="0"/>
-          <a:chExt cx="0" cy="0"/>
-        </a:xfrm>
-      </p:grpSpPr>
-      <p:sp>
-        <p:nvSpPr>
-          <p:cNvPr id="4" name="Title 3"/>
-          <p:cNvSpPr>
-            <a:spLocks noGrp="1"/>
-          </p:cNvSpPr>
-          <p:nvPr>
-            <p:ph type="title"/>
-          </p:nvPr>
-        </p:nvSpPr>
-        <p:spPr/>
-        <p:txBody>
-          <a:bodyPr/>
-          <a:lstStyle/>
-          <a:p>
-            <a:r>
-              <a:rPr lang="en-US" dirty="0"/>
-              <a:t>Terminal Objectives</a:t>
-            </a:r>
-          </a:p>
-        </p:txBody>
-      </p:sp>
-      <p:sp>
-        <p:nvSpPr>
-          <p:cNvPr id="5" name="Text Placeholder 4"/>
-          <p:cNvSpPr>
-            <a:spLocks noGrp="1"/>
-          </p:cNvSpPr>
-          <p:nvPr>
-            <p:ph type="body" sz="quarter" idx="13"/>
-          </p:nvPr>
-        </p:nvSpPr>
-        <p:spPr>
-          <a:xfrm>
-            <a:off x="381000" y="853372"/>
-            <a:ext cx="8382000" cy="4004377"/>
-          </a:xfrm>
-        </p:spPr>
-        <p:txBody>
-          <a:bodyPr>
-            <a:normAutofit/>
-          </a:bodyPr>
-          <a:lstStyle/>
-          <a:p>
-            <a:pPr marL="457200" indent="-457200" fontAlgn="base">
-              <a:buBlip>
-                <a:blip r:embed="rId3"/>
-              </a:buBlip>
-            </a:pPr>
-            <a:r>
-              <a:rPr lang="en-US" sz="2600" dirty="0"/>
-              <a:t>To learn how to write functions.</a:t>
-            </a:r>
-          </a:p>
-          <a:p>
-            <a:pPr marL="457200" indent="-457200" fontAlgn="base">
-              <a:buBlip>
-                <a:blip r:embed="rId3"/>
-              </a:buBlip>
-            </a:pPr>
-            <a:r>
-              <a:rPr lang="en-US" sz="2600" dirty="0"/>
-              <a:t>To know what are the modules &amp; packages.</a:t>
-            </a:r>
-          </a:p>
-          <a:p>
-            <a:pPr marL="457200" indent="-457200" fontAlgn="base">
-              <a:buBlip>
-                <a:blip r:embed="rId3"/>
-              </a:buBlip>
-            </a:pPr>
-            <a:r>
-              <a:rPr lang="en-US" sz="2600" dirty="0"/>
-              <a:t>To learn how to design your own module and use it.</a:t>
-            </a:r>
-          </a:p>
-          <a:p>
-            <a:pPr marL="457200" indent="-457200" fontAlgn="base">
-              <a:buBlip>
-                <a:blip r:embed="rId3"/>
-              </a:buBlip>
-            </a:pPr>
-            <a:r>
-              <a:rPr lang="en-US" sz="2600" dirty="0"/>
-              <a:t>To learn how to handle exceptions in program.</a:t>
-            </a:r>
-          </a:p>
-          <a:p>
-            <a:pPr marL="457200" indent="-457200" fontAlgn="base">
-              <a:buBlip>
-                <a:blip r:embed="rId3"/>
-              </a:buBlip>
-            </a:pPr>
-            <a:r>
-              <a:rPr lang="en-US" sz="2600" dirty="0"/>
-              <a:t>To learn how files can be handled using Python.</a:t>
-            </a:r>
-          </a:p>
-          <a:p>
-            <a:pPr marL="457200" indent="-457200" fontAlgn="base">
-              <a:buBlip>
-                <a:blip r:embed="rId3"/>
-              </a:buBlip>
-            </a:pPr>
-            <a:r>
-              <a:rPr lang="en-US" sz="2600" dirty="0"/>
-              <a:t>To learn how to use regular expressions in Python.</a:t>
-            </a:r>
-          </a:p>
-        </p:txBody>
-      </p:sp>
-    </p:spTree>
-    <p:custDataLst>
-      <p:tags r:id="rId1"/>
-    </p:custDataLst>
-    <p:extLst>
-      <p:ext uri="{BB962C8B-B14F-4D97-AF65-F5344CB8AC3E}">
-        <p14:creationId xmlns:p14="http://schemas.microsoft.com/office/powerpoint/2010/main" val="2632047257"/>
-      </p:ext>
-    </p:extLst>
-  </p:cSld>
-  <p:clrMapOvr>
-    <a:masterClrMapping/>
-  </p:clrMapOvr>
-  <mc:AlternateContent xmlns:mc="http://schemas.openxmlformats.org/markup-compatibility/2006" xmlns:p14="http://schemas.microsoft.com/office/powerpoint/2010/main">
-    <mc:Choice Requires="p14">
-      <p:transition spd="med" p14:dur="700">
-        <p:fade/>
-      </p:transition>
-    </mc:Choice>
-    <mc:Fallback xmlns="">
-      <p:transition spd="med">
-        <p:fade/>
-      </p:transition>
-    </mc:Fallback>
-  </mc:AlternateContent>
-</p:sld>
-</file>
-
-<file path=ppt/slides/slide30.xml><?xml version="1.0" encoding="utf-8"?>
+<file path=ppt/slides/slide32.xml><?xml version="1.0" encoding="utf-8"?>
 <p:sld xmlns:a="http://schemas.openxmlformats.org/drawingml/2006/main" xmlns:r="http://schemas.openxmlformats.org/officeDocument/2006/relationships" xmlns:p="http://schemas.openxmlformats.org/presentationml/2006/main">
   <p:cSld>
     <p:spTree>
@@ -33746,7 +33985,7 @@
 </p:sld>
 </file>
 
-<file path=ppt/slides/slide31.xml><?xml version="1.0" encoding="utf-8"?>
+<file path=ppt/slides/slide33.xml><?xml version="1.0" encoding="utf-8"?>
 <p:sld xmlns:a="http://schemas.openxmlformats.org/drawingml/2006/main" xmlns:r="http://schemas.openxmlformats.org/officeDocument/2006/relationships" xmlns:p="http://schemas.openxmlformats.org/presentationml/2006/main">
   <p:cSld>
     <p:spTree>
@@ -34091,7 +34330,7 @@
 </p:sld>
 </file>
 
-<file path=ppt/slides/slide32.xml><?xml version="1.0" encoding="utf-8"?>
+<file path=ppt/slides/slide34.xml><?xml version="1.0" encoding="utf-8"?>
 <p:sld xmlns:a="http://schemas.openxmlformats.org/drawingml/2006/main" xmlns:r="http://schemas.openxmlformats.org/officeDocument/2006/relationships" xmlns:p="http://schemas.openxmlformats.org/presentationml/2006/main">
   <p:cSld>
     <p:spTree>
@@ -34660,7 +34899,7 @@
 </p:sld>
 </file>
 
-<file path=ppt/slides/slide33.xml><?xml version="1.0" encoding="utf-8"?>
+<file path=ppt/slides/slide35.xml><?xml version="1.0" encoding="utf-8"?>
 <p:sld xmlns:a="http://schemas.openxmlformats.org/drawingml/2006/main" xmlns:r="http://schemas.openxmlformats.org/officeDocument/2006/relationships" xmlns:p="http://schemas.openxmlformats.org/presentationml/2006/main">
   <p:cSld>
     <p:spTree>
@@ -35100,7 +35339,7 @@
 </p:sld>
 </file>
 
-<file path=ppt/slides/slide34.xml><?xml version="1.0" encoding="utf-8"?>
+<file path=ppt/slides/slide36.xml><?xml version="1.0" encoding="utf-8"?>
 <p:sld xmlns:a="http://schemas.openxmlformats.org/drawingml/2006/main" xmlns:r="http://schemas.openxmlformats.org/officeDocument/2006/relationships" xmlns:p="http://schemas.openxmlformats.org/presentationml/2006/main">
   <p:cSld>
     <p:spTree>
@@ -35364,7 +35603,7 @@
 </p:sld>
 </file>
 
-<file path=ppt/slides/slide35.xml><?xml version="1.0" encoding="utf-8"?>
+<file path=ppt/slides/slide37.xml><?xml version="1.0" encoding="utf-8"?>
 <p:sld xmlns:a="http://schemas.openxmlformats.org/drawingml/2006/main" xmlns:r="http://schemas.openxmlformats.org/officeDocument/2006/relationships" xmlns:p="http://schemas.openxmlformats.org/presentationml/2006/main">
   <p:cSld>
     <p:spTree>
@@ -35628,7 +35867,7 @@
 </p:sld>
 </file>
 
-<file path=ppt/slides/slide36.xml><?xml version="1.0" encoding="utf-8"?>
+<file path=ppt/slides/slide38.xml><?xml version="1.0" encoding="utf-8"?>
 <p:sld xmlns:a="http://schemas.openxmlformats.org/drawingml/2006/main" xmlns:r="http://schemas.openxmlformats.org/officeDocument/2006/relationships" xmlns:p="http://schemas.openxmlformats.org/presentationml/2006/main">
   <p:cSld>
     <p:spTree>
@@ -35986,7 +36225,7 @@
           <a:graphicData uri="http://schemas.openxmlformats.org/presentationml/2006/ole">
             <mc:AlternateContent xmlns:mc="http://schemas.openxmlformats.org/markup-compatibility/2006">
               <mc:Choice xmlns:v="urn:schemas-microsoft-com:vml" Requires="v">
-                <p:oleObj spid="_x0000_s3085" name="Packager Shell Object" showAsIcon="1" r:id="rId6" imgW="667800" imgH="437760" progId="Package">
+                <p:oleObj spid="_x0000_s3087" name="Packager Shell Object" showAsIcon="1" r:id="rId6" imgW="667800" imgH="437760" progId="Package">
                   <p:embed/>
                 </p:oleObj>
               </mc:Choice>
@@ -36049,335 +36288,6 @@
 </p:sld>
 </file>
 
-<file path=ppt/slides/slide37.xml><?xml version="1.0" encoding="utf-8"?>
-<p:sld xmlns:a="http://schemas.openxmlformats.org/drawingml/2006/main" xmlns:r="http://schemas.openxmlformats.org/officeDocument/2006/relationships" xmlns:p="http://schemas.openxmlformats.org/presentationml/2006/main">
-  <p:cSld>
-    <p:spTree>
-      <p:nvGrpSpPr>
-        <p:cNvPr id="1" name=""/>
-        <p:cNvGrpSpPr/>
-        <p:nvPr/>
-      </p:nvGrpSpPr>
-      <p:grpSpPr>
-        <a:xfrm>
-          <a:off x="0" y="0"/>
-          <a:ext cx="0" cy="0"/>
-          <a:chOff x="0" y="0"/>
-          <a:chExt cx="0" cy="0"/>
-        </a:xfrm>
-      </p:grpSpPr>
-      <p:sp>
-        <p:nvSpPr>
-          <p:cNvPr id="4" name="Title 3"/>
-          <p:cNvSpPr>
-            <a:spLocks noGrp="1"/>
-          </p:cNvSpPr>
-          <p:nvPr>
-            <p:ph type="title"/>
-          </p:nvPr>
-        </p:nvSpPr>
-        <p:spPr/>
-        <p:txBody>
-          <a:bodyPr/>
-          <a:lstStyle/>
-          <a:p>
-            <a:r>
-              <a:rPr lang="en-US" dirty="0"/>
-              <a:t>Activities</a:t>
-            </a:r>
-          </a:p>
-        </p:txBody>
-      </p:sp>
-      <p:sp>
-        <p:nvSpPr>
-          <p:cNvPr id="5" name="Text Placeholder 4"/>
-          <p:cNvSpPr>
-            <a:spLocks noGrp="1"/>
-          </p:cNvSpPr>
-          <p:nvPr>
-            <p:ph type="body" sz="quarter" idx="13"/>
-          </p:nvPr>
-        </p:nvSpPr>
-        <p:spPr>
-          <a:xfrm>
-            <a:off x="381000" y="853372"/>
-            <a:ext cx="8382000" cy="3875944"/>
-          </a:xfrm>
-        </p:spPr>
-        <p:txBody>
-          <a:bodyPr>
-            <a:normAutofit/>
-          </a:bodyPr>
-          <a:lstStyle/>
-          <a:p>
-            <a:pPr marL="514350" indent="-514350">
-              <a:buFont typeface="+mj-lt"/>
-              <a:buAutoNum type="arabicParenR"/>
-            </a:pPr>
-            <a:r>
-              <a:rPr lang="en-US" sz="2400" dirty="0"/>
-              <a:t>Write a function to generate random character sequence. Place the function in a module and call it from other script. </a:t>
-            </a:r>
-          </a:p>
-          <a:p>
-            <a:pPr marL="514350" indent="-514350">
-              <a:buFont typeface="+mj-lt"/>
-              <a:buAutoNum type="arabicParenR"/>
-            </a:pPr>
-            <a:r>
-              <a:rPr lang="en-US" sz="2400" dirty="0"/>
-              <a:t>Use a file to save a dictionary content </a:t>
-            </a:r>
-            <a:r>
-              <a:rPr lang="en-US" sz="2400" dirty="0">
-                <a:latin typeface="Courier New" panose="02070309020205020404" pitchFamily="49" charset="0"/>
-                <a:cs typeface="Courier New" panose="02070309020205020404" pitchFamily="49" charset="0"/>
-              </a:rPr>
-              <a:t>{username: random character} </a:t>
-            </a:r>
-            <a:r>
-              <a:rPr lang="en-US" sz="2400" dirty="0"/>
-              <a:t>and load the file’s content when the execution starts, also re-write the file after the program modifies the dictionary content. The username should be checked before saving. Use regex to match pattern (no digits &amp; no uppercase letters &amp; no special characters except ‘#’).</a:t>
-            </a:r>
-          </a:p>
-          <a:p>
-            <a:pPr marL="457200" indent="-457200">
-              <a:buAutoNum type="arabicParenR" startAt="2"/>
-            </a:pPr>
-            <a:endParaRPr lang="en-US" sz="2400" dirty="0"/>
-          </a:p>
-          <a:p>
-            <a:pPr marL="457200" indent="-457200">
-              <a:buAutoNum type="arabicParenR" startAt="2"/>
-            </a:pPr>
-            <a:endParaRPr lang="en-US" sz="2400" dirty="0"/>
-          </a:p>
-        </p:txBody>
-      </p:sp>
-    </p:spTree>
-    <p:custDataLst>
-      <p:tags r:id="rId1"/>
-    </p:custDataLst>
-    <p:extLst>
-      <p:ext uri="{BB962C8B-B14F-4D97-AF65-F5344CB8AC3E}">
-        <p14:creationId xmlns:p14="http://schemas.microsoft.com/office/powerpoint/2010/main" val="3736433402"/>
-      </p:ext>
-    </p:extLst>
-  </p:cSld>
-  <p:clrMapOvr>
-    <a:masterClrMapping/>
-  </p:clrMapOvr>
-  <mc:AlternateContent xmlns:mc="http://schemas.openxmlformats.org/markup-compatibility/2006" xmlns:p14="http://schemas.microsoft.com/office/powerpoint/2010/main">
-    <mc:Choice Requires="p14">
-      <p:transition spd="med" p14:dur="700">
-        <p:fade/>
-      </p:transition>
-    </mc:Choice>
-    <mc:Fallback xmlns="">
-      <p:transition spd="med">
-        <p:fade/>
-      </p:transition>
-    </mc:Fallback>
-  </mc:AlternateContent>
-</p:sld>
-</file>
-
-<file path=ppt/slides/slide38.xml><?xml version="1.0" encoding="utf-8"?>
-<p:sld xmlns:a="http://schemas.openxmlformats.org/drawingml/2006/main" xmlns:r="http://schemas.openxmlformats.org/officeDocument/2006/relationships" xmlns:p="http://schemas.openxmlformats.org/presentationml/2006/main">
-  <p:cSld>
-    <p:spTree>
-      <p:nvGrpSpPr>
-        <p:cNvPr id="1" name=""/>
-        <p:cNvGrpSpPr/>
-        <p:nvPr/>
-      </p:nvGrpSpPr>
-      <p:grpSpPr>
-        <a:xfrm>
-          <a:off x="0" y="0"/>
-          <a:ext cx="0" cy="0"/>
-          <a:chOff x="0" y="0"/>
-          <a:chExt cx="0" cy="0"/>
-        </a:xfrm>
-      </p:grpSpPr>
-      <p:sp>
-        <p:nvSpPr>
-          <p:cNvPr id="8" name="Title 7"/>
-          <p:cNvSpPr>
-            <a:spLocks noGrp="1"/>
-          </p:cNvSpPr>
-          <p:nvPr>
-            <p:ph type="title"/>
-          </p:nvPr>
-        </p:nvSpPr>
-        <p:spPr/>
-        <p:txBody>
-          <a:bodyPr/>
-          <a:lstStyle/>
-          <a:p>
-            <a:r>
-              <a:rPr lang="en-US" dirty="0"/>
-              <a:t>Summary</a:t>
-            </a:r>
-          </a:p>
-        </p:txBody>
-      </p:sp>
-      <p:sp>
-        <p:nvSpPr>
-          <p:cNvPr id="9" name="Text Placeholder 8"/>
-          <p:cNvSpPr>
-            <a:spLocks noGrp="1"/>
-          </p:cNvSpPr>
-          <p:nvPr>
-            <p:ph type="body" sz="quarter" idx="13"/>
-          </p:nvPr>
-        </p:nvSpPr>
-        <p:spPr>
-          <a:xfrm>
-            <a:off x="381000" y="853372"/>
-            <a:ext cx="8382000" cy="3928177"/>
-          </a:xfrm>
-        </p:spPr>
-        <p:txBody>
-          <a:bodyPr>
-            <a:normAutofit fontScale="92500" lnSpcReduction="20000"/>
-          </a:bodyPr>
-          <a:lstStyle/>
-          <a:p>
-            <a:pPr marL="457200" indent="-457200">
-              <a:buBlip>
-                <a:blip r:embed="rId3"/>
-              </a:buBlip>
-            </a:pPr>
-            <a:r>
-              <a:rPr lang="en-US" sz="2400" dirty="0"/>
-              <a:t>Functions are sets of statements that takes inputs, do some specific computation and produces output.</a:t>
-            </a:r>
-          </a:p>
-          <a:p>
-            <a:pPr marL="457200" indent="-457200">
-              <a:buBlip>
-                <a:blip r:embed="rId3"/>
-              </a:buBlip>
-            </a:pPr>
-            <a:r>
-              <a:rPr lang="en-US" sz="2400" dirty="0"/>
-              <a:t>Python functions are capable of returning more than one values to the caller.</a:t>
-            </a:r>
-          </a:p>
-          <a:p>
-            <a:pPr marL="457200" indent="-457200">
-              <a:buBlip>
-                <a:blip r:embed="rId3"/>
-              </a:buBlip>
-            </a:pPr>
-            <a:r>
-              <a:rPr lang="en-US" sz="2400" dirty="0"/>
-              <a:t>We can import our own modules like other Python modules, that can be defined by putting functions, classes or variables into one file (with </a:t>
-            </a:r>
-            <a:r>
-              <a:rPr lang="en-US" sz="2400" i="1" dirty="0"/>
-              <a:t>.py</a:t>
-            </a:r>
-            <a:r>
-              <a:rPr lang="en-US" sz="2400" dirty="0"/>
-              <a:t> extension).</a:t>
-            </a:r>
-          </a:p>
-          <a:p>
-            <a:pPr marL="457200" indent="-457200">
-              <a:buBlip>
-                <a:blip r:embed="rId3"/>
-              </a:buBlip>
-            </a:pPr>
-            <a:r>
-              <a:rPr lang="en-US" sz="2400" dirty="0"/>
-              <a:t>Package is nothing but collection of related modules and/or sub-packages.</a:t>
-            </a:r>
-          </a:p>
-          <a:p>
-            <a:pPr marL="457200" indent="-457200">
-              <a:buBlip>
-                <a:blip r:embed="rId3"/>
-              </a:buBlip>
-            </a:pPr>
-            <a:r>
-              <a:rPr lang="en-US" sz="2400" dirty="0"/>
-              <a:t>Exceptions can be handled using </a:t>
-            </a:r>
-            <a:r>
-              <a:rPr lang="en-US" sz="2400" i="1" dirty="0"/>
-              <a:t>try </a:t>
-            </a:r>
-            <a:r>
-              <a:rPr lang="en-US" sz="2400" dirty="0"/>
-              <a:t>&amp;</a:t>
-            </a:r>
-            <a:r>
-              <a:rPr lang="en-US" sz="2400" i="1" dirty="0"/>
-              <a:t> except </a:t>
-            </a:r>
-            <a:r>
-              <a:rPr lang="en-US" sz="2400" dirty="0"/>
-              <a:t>block.</a:t>
-            </a:r>
-          </a:p>
-          <a:p>
-            <a:pPr marL="457200" indent="-457200">
-              <a:buBlip>
-                <a:blip r:embed="rId3"/>
-              </a:buBlip>
-            </a:pPr>
-            <a:r>
-              <a:rPr lang="en-US" sz="2400" dirty="0"/>
-              <a:t>The </a:t>
-            </a:r>
-            <a:r>
-              <a:rPr lang="en-US" sz="2400" i="1" dirty="0"/>
-              <a:t>else</a:t>
-            </a:r>
-            <a:r>
-              <a:rPr lang="en-US" sz="2400" dirty="0"/>
-              <a:t> statement can also be used with </a:t>
-            </a:r>
-            <a:r>
-              <a:rPr lang="en-US" sz="2400" i="1" dirty="0"/>
-              <a:t>try</a:t>
-            </a:r>
-            <a:r>
-              <a:rPr lang="en-US" sz="2400" dirty="0"/>
-              <a:t>, and if there is no error then else block executes.</a:t>
-            </a:r>
-          </a:p>
-        </p:txBody>
-      </p:sp>
-    </p:spTree>
-    <p:custDataLst>
-      <p:tags r:id="rId1"/>
-    </p:custDataLst>
-    <p:extLst>
-      <p:ext uri="{BB962C8B-B14F-4D97-AF65-F5344CB8AC3E}">
-        <p14:creationId xmlns:p14="http://schemas.microsoft.com/office/powerpoint/2010/main" val="503829834"/>
-      </p:ext>
-    </p:extLst>
-  </p:cSld>
-  <p:clrMapOvr>
-    <a:masterClrMapping/>
-  </p:clrMapOvr>
-  <mc:AlternateContent xmlns:mc="http://schemas.openxmlformats.org/markup-compatibility/2006" xmlns:p14="http://schemas.microsoft.com/office/powerpoint/2010/main">
-    <mc:Choice Requires="p14">
-      <p:transition spd="med" p14:dur="700">
-        <p:fade/>
-      </p:transition>
-    </mc:Choice>
-    <mc:Fallback xmlns="">
-      <p:transition spd="med">
-        <p:fade/>
-      </p:transition>
-    </mc:Fallback>
-  </mc:AlternateContent>
-</p:sld>
-</file>
-
 <file path=ppt/slides/slide39.xml><?xml version="1.0" encoding="utf-8"?>
 <p:sld xmlns:a="http://schemas.openxmlformats.org/drawingml/2006/main" xmlns:r="http://schemas.openxmlformats.org/officeDocument/2006/relationships" xmlns:p="http://schemas.openxmlformats.org/presentationml/2006/main">
   <p:cSld>
@@ -36446,31 +36356,7 @@
             </a:pPr>
             <a:r>
               <a:rPr lang="en-US" sz="2400" dirty="0"/>
-              <a:t>There is a </a:t>
-            </a:r>
-            <a:r>
-              <a:rPr lang="en-US" sz="2400" i="1" dirty="0"/>
-              <a:t>finally</a:t>
-            </a:r>
-            <a:r>
-              <a:rPr lang="en-US" sz="2400" dirty="0"/>
-              <a:t> block which will be processed if an exception is caught by a </a:t>
-            </a:r>
-            <a:r>
-              <a:rPr lang="en-US" sz="2400" i="1" dirty="0"/>
-              <a:t>except</a:t>
-            </a:r>
-            <a:r>
-              <a:rPr lang="en-US" sz="2400" dirty="0"/>
-              <a:t> block or if there is no exception occurred inside </a:t>
-            </a:r>
-            <a:r>
-              <a:rPr lang="en-US" sz="2400" i="1" dirty="0"/>
-              <a:t>try</a:t>
-            </a:r>
-            <a:r>
-              <a:rPr lang="en-US" sz="2400" dirty="0"/>
-              <a:t> block.</a:t>
+              <a:t>Functions are sets of statements that takes inputs, do some specific computation and produces output.</a:t>
             </a:r>
           </a:p>
           <a:p>
@@ -36481,15 +36367,7 @@
             </a:pPr>
             <a:r>
               <a:rPr lang="en-US" sz="2400" dirty="0"/>
-              <a:t>We can use </a:t>
-            </a:r>
-            <a:r>
-              <a:rPr lang="en-US" sz="2400" i="1" dirty="0"/>
-              <a:t>open(&lt;file&gt;, &lt;mode&gt;) </a:t>
-            </a:r>
-            <a:r>
-              <a:rPr lang="en-US" sz="2400" dirty="0"/>
-              <a:t>function to opens a file by creating a file-object with given mode.</a:t>
+              <a:t>Python functions are capable of returning more than one values to the caller.</a:t>
             </a:r>
           </a:p>
           <a:p>
@@ -36500,15 +36378,15 @@
             </a:pPr>
             <a:r>
               <a:rPr lang="en-US" sz="2400" dirty="0"/>
-              <a:t>The </a:t>
+              <a:t>We can import our own modules like other Python modules, that can be defined by putting functions, classes or variables into one file (with </a:t>
             </a:r>
             <a:r>
               <a:rPr lang="en-US" sz="2400" i="1" dirty="0"/>
-              <a:t>file object</a:t>
+              <a:t>.py</a:t>
             </a:r>
             <a:r>
               <a:rPr lang="en-US" sz="2400" dirty="0"/>
-              <a:t> can be used to read or write or close a file.</a:t>
+              <a:t> extension).</a:t>
             </a:r>
           </a:p>
           <a:p>
@@ -36519,7 +36397,7 @@
             </a:pPr>
             <a:r>
               <a:rPr lang="en-US" sz="2400" dirty="0"/>
-              <a:t>We can build our regular expressions and that can be used to check whether the pattern is getting match with a given string.</a:t>
+              <a:t>Package is nothing but collection of related modules and/or sub-packages.</a:t>
             </a:r>
           </a:p>
           <a:p>
@@ -36530,31 +36408,23 @@
             </a:pPr>
             <a:r>
               <a:rPr lang="en-US" sz="2400" dirty="0"/>
-              <a:t>The </a:t>
+              <a:t>Exceptions can be handled using </a:t>
             </a:r>
             <a:r>
               <a:rPr lang="en-US" sz="2400" i="1" dirty="0"/>
-              <a:t>match() </a:t>
+              <a:t>try </a:t>
             </a:r>
             <a:r>
               <a:rPr lang="en-US" sz="2400" dirty="0"/>
-              <a:t>&amp; </a:t>
+              <a:t>&amp;</a:t>
             </a:r>
             <a:r>
               <a:rPr lang="en-US" sz="2400" i="1" dirty="0"/>
-              <a:t>search() </a:t>
+              <a:t> except </a:t>
             </a:r>
             <a:r>
               <a:rPr lang="en-US" sz="2400" dirty="0"/>
-              <a:t>function returns valid </a:t>
-            </a:r>
-            <a:r>
-              <a:rPr lang="en-US" sz="2400" i="1" dirty="0"/>
-              <a:t>regex</a:t>
-            </a:r>
-            <a:r>
-              <a:rPr lang="en-US" sz="2400" dirty="0"/>
-              <a:t> object if the pattern matches with the given string.</a:t>
+              <a:t>block.</a:t>
             </a:r>
           </a:p>
           <a:p>
@@ -36569,37 +36439,20 @@
             </a:r>
             <a:r>
               <a:rPr lang="en-US" sz="2400" i="1" dirty="0"/>
-              <a:t>groups() </a:t>
+              <a:t>else</a:t>
             </a:r>
             <a:r>
               <a:rPr lang="en-US" sz="2400" dirty="0"/>
-              <a:t>&amp; </a:t>
+              <a:t> statement can also be used with </a:t>
             </a:r>
             <a:r>
               <a:rPr lang="en-US" sz="2400" i="1" dirty="0"/>
-              <a:t>group(&lt;</a:t>
-            </a:r>
-            <a:r>
-              <a:rPr lang="en-US" sz="2400" i="1" dirty="0" err="1"/>
-              <a:t>num</a:t>
-            </a:r>
-            <a:r>
-              <a:rPr lang="en-US" sz="2400" i="1" dirty="0"/>
-              <a:t>&gt;)</a:t>
+              <a:t>try</a:t>
             </a:r>
             <a:r>
               <a:rPr lang="en-US" sz="2400" dirty="0"/>
-              <a:t> function returns the all the groups or individual group respectively.</a:t>
-            </a:r>
-            <a:endParaRPr lang="en-US" sz="2400" i="1" dirty="0"/>
-          </a:p>
-          <a:p>
-            <a:pPr marL="457200" indent="-457200">
-              <a:buBlip>
-                <a:blip r:embed="rId3"/>
-              </a:buBlip>
-            </a:pPr>
-            <a:endParaRPr lang="en-US" sz="2400" dirty="0"/>
+              <a:t>, and if there is no error then else block executes.</a:t>
+            </a:r>
           </a:p>
         </p:txBody>
       </p:sp>
@@ -36609,7 +36462,7 @@
     </p:custDataLst>
     <p:extLst>
       <p:ext uri="{BB962C8B-B14F-4D97-AF65-F5344CB8AC3E}">
-        <p14:creationId xmlns:p14="http://schemas.microsoft.com/office/powerpoint/2010/main" val="2811020454"/>
+        <p14:creationId xmlns:p14="http://schemas.microsoft.com/office/powerpoint/2010/main" val="503829834"/>
       </p:ext>
     </p:extLst>
   </p:cSld>
@@ -36763,7 +36616,7 @@
       </p:grpSpPr>
       <p:sp>
         <p:nvSpPr>
-          <p:cNvPr id="4" name="Title 3"/>
+          <p:cNvPr id="8" name="Title 7"/>
           <p:cNvSpPr>
             <a:spLocks noGrp="1"/>
           </p:cNvSpPr>
@@ -36778,14 +36631,14 @@
           <a:p>
             <a:r>
               <a:rPr lang="en-US" dirty="0"/>
-              <a:t>Check on learning</a:t>
+              <a:t>Summary</a:t>
             </a:r>
           </a:p>
         </p:txBody>
       </p:sp>
       <p:sp>
         <p:nvSpPr>
-          <p:cNvPr id="5" name="Text Placeholder 4"/>
+          <p:cNvPr id="9" name="Text Placeholder 8"/>
           <p:cNvSpPr>
             <a:spLocks noGrp="1"/>
           </p:cNvSpPr>
@@ -36795,74 +36648,177 @@
         </p:nvSpPr>
         <p:spPr>
           <a:xfrm>
-            <a:off x="380999" y="853372"/>
-            <a:ext cx="8382003" cy="3928177"/>
+            <a:off x="381000" y="853372"/>
+            <a:ext cx="8382000" cy="3928177"/>
           </a:xfrm>
         </p:spPr>
         <p:txBody>
           <a:bodyPr>
-            <a:normAutofit fontScale="92500"/>
+            <a:normAutofit fontScale="92500" lnSpcReduction="20000"/>
           </a:bodyPr>
           <a:lstStyle/>
           <a:p>
-            <a:pPr marL="457200" indent="-457200" fontAlgn="base">
-              <a:buFont typeface="Wingdings 2" panose="05020102010507070707" pitchFamily="18" charset="2"/>
-              <a:buChar char="P"/>
+            <a:pPr marL="457200" indent="-457200">
+              <a:buBlip>
+                <a:blip r:embed="rId3"/>
+              </a:buBlip>
             </a:pPr>
             <a:r>
-              <a:rPr lang="en-US" dirty="0"/>
-              <a:t>We learnt how to write functions in Python.</a:t>
+              <a:rPr lang="en-US" sz="2400" dirty="0"/>
+              <a:t>There is a </a:t>
+            </a:r>
+            <a:r>
+              <a:rPr lang="en-US" sz="2400" i="1" dirty="0"/>
+              <a:t>finally</a:t>
+            </a:r>
+            <a:r>
+              <a:rPr lang="en-US" sz="2400" dirty="0"/>
+              <a:t> block which will be processed if an exception is caught by a </a:t>
+            </a:r>
+            <a:r>
+              <a:rPr lang="en-US" sz="2400" i="1" dirty="0"/>
+              <a:t>except</a:t>
+            </a:r>
+            <a:r>
+              <a:rPr lang="en-US" sz="2400" dirty="0"/>
+              <a:t> block or if there is no exception occurred inside </a:t>
+            </a:r>
+            <a:r>
+              <a:rPr lang="en-US" sz="2400" i="1" dirty="0"/>
+              <a:t>try</a:t>
+            </a:r>
+            <a:r>
+              <a:rPr lang="en-US" sz="2400" dirty="0"/>
+              <a:t> block.</a:t>
             </a:r>
           </a:p>
           <a:p>
-            <a:pPr marL="457200" indent="-457200" fontAlgn="base">
-              <a:buFont typeface="Wingdings 2" panose="05020102010507070707" pitchFamily="18" charset="2"/>
-              <a:buChar char="P"/>
+            <a:pPr marL="457200" indent="-457200">
+              <a:buBlip>
+                <a:blip r:embed="rId3"/>
+              </a:buBlip>
             </a:pPr>
             <a:r>
-              <a:rPr lang="en-US" dirty="0"/>
-              <a:t>We also learnt what are modules &amp; packages.</a:t>
+              <a:rPr lang="en-US" sz="2400" dirty="0"/>
+              <a:t>We can use </a:t>
+            </a:r>
+            <a:r>
+              <a:rPr lang="en-US" sz="2400" i="1" dirty="0"/>
+              <a:t>open(&lt;file&gt;, &lt;mode&gt;) </a:t>
+            </a:r>
+            <a:r>
+              <a:rPr lang="en-US" sz="2400" dirty="0"/>
+              <a:t>function to opens a file by creating a file-object with given mode.</a:t>
             </a:r>
           </a:p>
           <a:p>
-            <a:pPr marL="457200" indent="-457200" fontAlgn="base">
-              <a:buFont typeface="Wingdings 2" panose="05020102010507070707" pitchFamily="18" charset="2"/>
-              <a:buChar char="P"/>
+            <a:pPr marL="457200" indent="-457200">
+              <a:buBlip>
+                <a:blip r:embed="rId3"/>
+              </a:buBlip>
             </a:pPr>
             <a:r>
-              <a:rPr lang="en-US" dirty="0"/>
-              <a:t>We learnt how to design our own module &amp; packages and use them in other programs.</a:t>
+              <a:rPr lang="en-US" sz="2400" dirty="0"/>
+              <a:t>The </a:t>
+            </a:r>
+            <a:r>
+              <a:rPr lang="en-US" sz="2400" i="1" dirty="0"/>
+              <a:t>file object</a:t>
+            </a:r>
+            <a:r>
+              <a:rPr lang="en-US" sz="2400" dirty="0"/>
+              <a:t> can be used to read or write or close a file.</a:t>
             </a:r>
           </a:p>
           <a:p>
-            <a:pPr marL="457200" indent="-457200" fontAlgn="base">
-              <a:buFont typeface="Wingdings 2" panose="05020102010507070707" pitchFamily="18" charset="2"/>
-              <a:buChar char="P"/>
+            <a:pPr marL="457200" indent="-457200">
+              <a:buBlip>
+                <a:blip r:embed="rId3"/>
+              </a:buBlip>
             </a:pPr>
             <a:r>
-              <a:rPr lang="en-US" dirty="0"/>
-              <a:t>Now we can handle exceptions in Python program.</a:t>
+              <a:rPr lang="en-US" sz="2400" dirty="0"/>
+              <a:t>We can build our regular expressions and that can be used to check whether the pattern is getting match with a given string.</a:t>
             </a:r>
           </a:p>
           <a:p>
-            <a:pPr marL="457200" indent="-457200" fontAlgn="base">
-              <a:buFont typeface="Wingdings 2" panose="05020102010507070707" pitchFamily="18" charset="2"/>
-              <a:buChar char="P"/>
+            <a:pPr marL="457200" indent="-457200">
+              <a:buBlip>
+                <a:blip r:embed="rId3"/>
+              </a:buBlip>
             </a:pPr>
             <a:r>
-              <a:rPr lang="en-US" dirty="0"/>
-              <a:t>We can also work with files using Python.</a:t>
+              <a:rPr lang="en-US" sz="2400" dirty="0"/>
+              <a:t>The </a:t>
+            </a:r>
+            <a:r>
+              <a:rPr lang="en-US" sz="2400" i="1" dirty="0"/>
+              <a:t>match() </a:t>
+            </a:r>
+            <a:r>
+              <a:rPr lang="en-US" sz="2400" dirty="0"/>
+              <a:t>&amp; </a:t>
+            </a:r>
+            <a:r>
+              <a:rPr lang="en-US" sz="2400" i="1" dirty="0"/>
+              <a:t>search() </a:t>
+            </a:r>
+            <a:r>
+              <a:rPr lang="en-US" sz="2400" dirty="0"/>
+              <a:t>function returns valid </a:t>
+            </a:r>
+            <a:r>
+              <a:rPr lang="en-US" sz="2400" i="1" dirty="0"/>
+              <a:t>regex</a:t>
+            </a:r>
+            <a:r>
+              <a:rPr lang="en-US" sz="2400" dirty="0"/>
+              <a:t> object if the pattern matches with the given string.</a:t>
             </a:r>
           </a:p>
           <a:p>
-            <a:pPr marL="457200" indent="-457200" fontAlgn="base">
-              <a:buFont typeface="Wingdings 2" panose="05020102010507070707" pitchFamily="18" charset="2"/>
-              <a:buChar char="P"/>
+            <a:pPr marL="457200" indent="-457200">
+              <a:buBlip>
+                <a:blip r:embed="rId3"/>
+              </a:buBlip>
             </a:pPr>
             <a:r>
-              <a:rPr lang="en-US" dirty="0"/>
-              <a:t>We learnt how to use regular expressions in Python.</a:t>
-            </a:r>
+              <a:rPr lang="en-US" sz="2400" dirty="0"/>
+              <a:t>The </a:t>
+            </a:r>
+            <a:r>
+              <a:rPr lang="en-US" sz="2400" i="1" dirty="0"/>
+              <a:t>groups() </a:t>
+            </a:r>
+            <a:r>
+              <a:rPr lang="en-US" sz="2400" dirty="0"/>
+              <a:t>&amp; </a:t>
+            </a:r>
+            <a:r>
+              <a:rPr lang="en-US" sz="2400" i="1" dirty="0"/>
+              <a:t>group(&lt;</a:t>
+            </a:r>
+            <a:r>
+              <a:rPr lang="en-US" sz="2400" i="1" dirty="0" err="1"/>
+              <a:t>num</a:t>
+            </a:r>
+            <a:r>
+              <a:rPr lang="en-US" sz="2400" i="1" dirty="0"/>
+              <a:t>&gt;)</a:t>
+            </a:r>
+            <a:r>
+              <a:rPr lang="en-US" sz="2400" dirty="0"/>
+              <a:t> function returns the all the groups or individual group respectively.</a:t>
+            </a:r>
+            <a:endParaRPr lang="en-US" sz="2400" i="1" dirty="0"/>
+          </a:p>
+          <a:p>
+            <a:pPr marL="457200" indent="-457200">
+              <a:buBlip>
+                <a:blip r:embed="rId3"/>
+              </a:buBlip>
+            </a:pPr>
+            <a:endParaRPr lang="en-US" sz="2400" dirty="0"/>
           </a:p>
         </p:txBody>
       </p:sp>
@@ -36872,7 +36828,7 @@
     </p:custDataLst>
     <p:extLst>
       <p:ext uri="{BB962C8B-B14F-4D97-AF65-F5344CB8AC3E}">
-        <p14:creationId xmlns:p14="http://schemas.microsoft.com/office/powerpoint/2010/main" val="2175156965"/>
+        <p14:creationId xmlns:p14="http://schemas.microsoft.com/office/powerpoint/2010/main" val="2811020454"/>
       </p:ext>
     </p:extLst>
   </p:cSld>
@@ -36928,6 +36884,156 @@
           <a:p>
             <a:r>
               <a:rPr lang="en-US" dirty="0"/>
+              <a:t>Check on learning</a:t>
+            </a:r>
+          </a:p>
+        </p:txBody>
+      </p:sp>
+      <p:sp>
+        <p:nvSpPr>
+          <p:cNvPr id="5" name="Text Placeholder 4"/>
+          <p:cNvSpPr>
+            <a:spLocks noGrp="1"/>
+          </p:cNvSpPr>
+          <p:nvPr>
+            <p:ph type="body" sz="quarter" idx="13"/>
+          </p:nvPr>
+        </p:nvSpPr>
+        <p:spPr>
+          <a:xfrm>
+            <a:off x="380999" y="853372"/>
+            <a:ext cx="8382003" cy="3928177"/>
+          </a:xfrm>
+        </p:spPr>
+        <p:txBody>
+          <a:bodyPr>
+            <a:normAutofit fontScale="92500"/>
+          </a:bodyPr>
+          <a:lstStyle/>
+          <a:p>
+            <a:pPr marL="457200" indent="-457200" fontAlgn="base">
+              <a:buFont typeface="Wingdings 2" panose="05020102010507070707" pitchFamily="18" charset="2"/>
+              <a:buChar char="P"/>
+            </a:pPr>
+            <a:r>
+              <a:rPr lang="en-US" dirty="0"/>
+              <a:t>We learnt how to write functions in Python.</a:t>
+            </a:r>
+          </a:p>
+          <a:p>
+            <a:pPr marL="457200" indent="-457200" fontAlgn="base">
+              <a:buFont typeface="Wingdings 2" panose="05020102010507070707" pitchFamily="18" charset="2"/>
+              <a:buChar char="P"/>
+            </a:pPr>
+            <a:r>
+              <a:rPr lang="en-US" dirty="0"/>
+              <a:t>We also learnt what are modules &amp; packages.</a:t>
+            </a:r>
+          </a:p>
+          <a:p>
+            <a:pPr marL="457200" indent="-457200" fontAlgn="base">
+              <a:buFont typeface="Wingdings 2" panose="05020102010507070707" pitchFamily="18" charset="2"/>
+              <a:buChar char="P"/>
+            </a:pPr>
+            <a:r>
+              <a:rPr lang="en-US" dirty="0"/>
+              <a:t>We learnt how to design our own module &amp; packages and use them in other programs.</a:t>
+            </a:r>
+          </a:p>
+          <a:p>
+            <a:pPr marL="457200" indent="-457200" fontAlgn="base">
+              <a:buFont typeface="Wingdings 2" panose="05020102010507070707" pitchFamily="18" charset="2"/>
+              <a:buChar char="P"/>
+            </a:pPr>
+            <a:r>
+              <a:rPr lang="en-US" dirty="0"/>
+              <a:t>Now we can handle exceptions in Python program.</a:t>
+            </a:r>
+          </a:p>
+          <a:p>
+            <a:pPr marL="457200" indent="-457200" fontAlgn="base">
+              <a:buFont typeface="Wingdings 2" panose="05020102010507070707" pitchFamily="18" charset="2"/>
+              <a:buChar char="P"/>
+            </a:pPr>
+            <a:r>
+              <a:rPr lang="en-US" dirty="0"/>
+              <a:t>We can also work with files using Python.</a:t>
+            </a:r>
+          </a:p>
+          <a:p>
+            <a:pPr marL="457200" indent="-457200" fontAlgn="base">
+              <a:buFont typeface="Wingdings 2" panose="05020102010507070707" pitchFamily="18" charset="2"/>
+              <a:buChar char="P"/>
+            </a:pPr>
+            <a:r>
+              <a:rPr lang="en-US" dirty="0"/>
+              <a:t>We learnt how to use regular expressions in Python.</a:t>
+            </a:r>
+          </a:p>
+        </p:txBody>
+      </p:sp>
+    </p:spTree>
+    <p:custDataLst>
+      <p:tags r:id="rId1"/>
+    </p:custDataLst>
+    <p:extLst>
+      <p:ext uri="{BB962C8B-B14F-4D97-AF65-F5344CB8AC3E}">
+        <p14:creationId xmlns:p14="http://schemas.microsoft.com/office/powerpoint/2010/main" val="2175156965"/>
+      </p:ext>
+    </p:extLst>
+  </p:cSld>
+  <p:clrMapOvr>
+    <a:masterClrMapping/>
+  </p:clrMapOvr>
+  <mc:AlternateContent xmlns:mc="http://schemas.openxmlformats.org/markup-compatibility/2006" xmlns:p14="http://schemas.microsoft.com/office/powerpoint/2010/main">
+    <mc:Choice Requires="p14">
+      <p:transition spd="med" p14:dur="700">
+        <p:fade/>
+      </p:transition>
+    </mc:Choice>
+    <mc:Fallback xmlns="">
+      <p:transition spd="med">
+        <p:fade/>
+      </p:transition>
+    </mc:Fallback>
+  </mc:AlternateContent>
+</p:sld>
+</file>
+
+<file path=ppt/slides/slide42.xml><?xml version="1.0" encoding="utf-8"?>
+<p:sld xmlns:a="http://schemas.openxmlformats.org/drawingml/2006/main" xmlns:r="http://schemas.openxmlformats.org/officeDocument/2006/relationships" xmlns:p="http://schemas.openxmlformats.org/presentationml/2006/main">
+  <p:cSld>
+    <p:spTree>
+      <p:nvGrpSpPr>
+        <p:cNvPr id="1" name=""/>
+        <p:cNvGrpSpPr/>
+        <p:nvPr/>
+      </p:nvGrpSpPr>
+      <p:grpSpPr>
+        <a:xfrm>
+          <a:off x="0" y="0"/>
+          <a:ext cx="0" cy="0"/>
+          <a:chOff x="0" y="0"/>
+          <a:chExt cx="0" cy="0"/>
+        </a:xfrm>
+      </p:grpSpPr>
+      <p:sp>
+        <p:nvSpPr>
+          <p:cNvPr id="4" name="Title 3"/>
+          <p:cNvSpPr>
+            <a:spLocks noGrp="1"/>
+          </p:cNvSpPr>
+          <p:nvPr>
+            <p:ph type="title"/>
+          </p:nvPr>
+        </p:nvSpPr>
+        <p:spPr/>
+        <p:txBody>
+          <a:bodyPr/>
+          <a:lstStyle/>
+          <a:p>
+            <a:r>
+              <a:rPr lang="en-US" dirty="0"/>
               <a:t>Links</a:t>
             </a:r>
           </a:p>
@@ -37010,7 +37116,7 @@
 </p:sld>
 </file>
 
-<file path=ppt/slides/slide42.xml><?xml version="1.0" encoding="utf-8"?>
+<file path=ppt/slides/slide43.xml><?xml version="1.0" encoding="utf-8"?>
 <p:sld xmlns:a="http://schemas.openxmlformats.org/drawingml/2006/main" xmlns:r="http://schemas.openxmlformats.org/officeDocument/2006/relationships" xmlns:p="http://schemas.openxmlformats.org/presentationml/2006/main">
   <p:cSld>
     <p:spTree>
@@ -37175,7 +37281,7 @@
 </p:sld>
 </file>
 
-<file path=ppt/slides/slide43.xml><?xml version="1.0" encoding="utf-8"?>
+<file path=ppt/slides/slide44.xml><?xml version="1.0" encoding="utf-8"?>
 <p:sld xmlns:a="http://schemas.openxmlformats.org/drawingml/2006/main" xmlns:r="http://schemas.openxmlformats.org/officeDocument/2006/relationships" xmlns:p="http://schemas.openxmlformats.org/presentationml/2006/main">
   <p:cSld>
     <p:spTree>
@@ -38747,12 +38853,6 @@
 </file>
 
 <file path=ppt/tags/tag60.xml><?xml version="1.0" encoding="utf-8"?>
-<p:tagLst xmlns:a="http://schemas.openxmlformats.org/drawingml/2006/main" xmlns:r="http://schemas.openxmlformats.org/officeDocument/2006/relationships" xmlns:p="http://schemas.openxmlformats.org/presentationml/2006/main">
-  <p:tag name="ARTICULATE_SLIDE_THUMBNAIL_REFRESH" val="1"/>
-</p:tagLst>
-</file>
-
-<file path=ppt/tags/tag61.xml><?xml version="1.0" encoding="utf-8"?>
 <p:tagLst xmlns:a="http://schemas.openxmlformats.org/drawingml/2006/main" xmlns:r="http://schemas.openxmlformats.org/officeDocument/2006/relationships" xmlns:p="http://schemas.openxmlformats.org/presentationml/2006/main">
   <p:tag name="ARTICULATE_SLIDE_THUMBNAIL_REFRESH" val="1"/>
 </p:tagLst>

--- a/cts_python_practitioner_day2_v1_2019.pptx
+++ b/cts_python_practitioner_day2_v1_2019.pptx
@@ -23555,7 +23555,7 @@
           <a:p>
             <a:fld id="{F9ACA898-F605-4900-878E-E9768DF1D293}" type="datetimeFigureOut">
               <a:rPr lang="en-US" smtClean="0"/>
-              <a:t>1/22/20</a:t>
+              <a:t>1/24/20</a:t>
             </a:fld>
             <a:endParaRPr lang="en-US"/>
           </a:p>
@@ -28974,7 +28974,7 @@
           <a:graphicData uri="http://schemas.openxmlformats.org/presentationml/2006/ole">
             <mc:AlternateContent xmlns:mc="http://schemas.openxmlformats.org/markup-compatibility/2006">
               <mc:Choice xmlns:v="urn:schemas-microsoft-com:vml" Requires="v">
-                <p:oleObj spid="_x0000_s1056" name="Packager Shell Object" showAsIcon="1" r:id="rId6" imgW="740880" imgH="437760" progId="Package">
+                <p:oleObj spid="_x0000_s1060" name="Packager Shell Object" showAsIcon="1" r:id="rId6" imgW="740880" imgH="437760" progId="Package">
                   <p:embed/>
                 </p:oleObj>
               </mc:Choice>
@@ -29031,7 +29031,7 @@
           <a:graphicData uri="http://schemas.openxmlformats.org/presentationml/2006/ole">
             <mc:AlternateContent xmlns:mc="http://schemas.openxmlformats.org/markup-compatibility/2006">
               <mc:Choice xmlns:v="urn:schemas-microsoft-com:vml" Requires="v">
-                <p:oleObj spid="_x0000_s1057" name="Packager Shell Object" showAsIcon="1" r:id="rId8" imgW="366480" imgH="437760" progId="Package">
+                <p:oleObj spid="_x0000_s1061" name="Packager Shell Object" showAsIcon="1" r:id="rId8" imgW="366480" imgH="437760" progId="Package">
                   <p:embed/>
                 </p:oleObj>
               </mc:Choice>
@@ -30568,7 +30568,7 @@
           <a:graphicData uri="http://schemas.openxmlformats.org/presentationml/2006/ole">
             <mc:AlternateContent xmlns:mc="http://schemas.openxmlformats.org/markup-compatibility/2006">
               <mc:Choice xmlns:v="urn:schemas-microsoft-com:vml" Requires="v">
-                <p:oleObj spid="_x0000_s2064" name="Packager Shell Object" showAsIcon="1" r:id="rId6" imgW="879480" imgH="437760" progId="Package">
+                <p:oleObj spid="_x0000_s2066" name="Packager Shell Object" showAsIcon="1" r:id="rId6" imgW="879480" imgH="437760" progId="Package">
                   <p:embed/>
                 </p:oleObj>
               </mc:Choice>
@@ -36225,7 +36225,7 @@
           <a:graphicData uri="http://schemas.openxmlformats.org/presentationml/2006/ole">
             <mc:AlternateContent xmlns:mc="http://schemas.openxmlformats.org/markup-compatibility/2006">
               <mc:Choice xmlns:v="urn:schemas-microsoft-com:vml" Requires="v">
-                <p:oleObj spid="_x0000_s3087" name="Packager Shell Object" showAsIcon="1" r:id="rId6" imgW="667800" imgH="437760" progId="Package">
+                <p:oleObj spid="_x0000_s3089" name="Packager Shell Object" showAsIcon="1" r:id="rId6" imgW="667800" imgH="437760" progId="Package">
                   <p:embed/>
                 </p:oleObj>
               </mc:Choice>
